--- a/Documents/ows/GSKY_as_OPeNDAP_Service.pptx
+++ b/Documents/ows/GSKY_as_OPeNDAP_Service.pptx
@@ -6,7 +6,7 @@
     <p:sldMasterId id="2147483669" r:id="rId2"/>
   </p:sldMasterIdLst>
   <p:notesMasterIdLst>
-    <p:notesMasterId r:id="rId18"/>
+    <p:notesMasterId r:id="rId17"/>
   </p:notesMasterIdLst>
   <p:sldIdLst>
     <p:sldId id="265" r:id="rId3"/>
@@ -20,10 +20,9 @@
     <p:sldId id="276" r:id="rId11"/>
     <p:sldId id="277" r:id="rId12"/>
     <p:sldId id="278" r:id="rId13"/>
-    <p:sldId id="281" r:id="rId14"/>
-    <p:sldId id="282" r:id="rId15"/>
-    <p:sldId id="283" r:id="rId16"/>
-    <p:sldId id="268" r:id="rId17"/>
+    <p:sldId id="282" r:id="rId14"/>
+    <p:sldId id="283" r:id="rId15"/>
+    <p:sldId id="268" r:id="rId16"/>
   </p:sldIdLst>
   <p:sldSz cx="12192000" cy="6858000"/>
   <p:notesSz cx="6858000" cy="9144000"/>
@@ -212,7 +211,7 @@
           <a:p>
             <a:fld id="{C72DBEC5-06AB-48E0-952A-026FDA33E51C}" type="datetimeFigureOut">
               <a:rPr lang="en-AU" smtClean="0"/>
-              <a:t>20/02/2019</a:t>
+              <a:t>16/03/2020</a:t>
             </a:fld>
             <a:endParaRPr lang="en-AU"/>
           </a:p>
@@ -1059,7 +1058,7 @@
           <a:p>
             <a:fld id="{3ADAF076-6E8D-48BD-BB78-27996FDE916E}" type="datetime1">
               <a:rPr lang="en-US" smtClean="0"/>
-              <a:t>2/20/2019</a:t>
+              <a:t>3/16/2020</a:t>
             </a:fld>
             <a:endParaRPr lang="en-US" dirty="0"/>
           </a:p>
@@ -1276,7 +1275,7 @@
           <a:p>
             <a:fld id="{5BD463C3-4FD6-4E15-A2FC-68448FB46BFB}" type="datetime1">
               <a:rPr lang="en-US" smtClean="0"/>
-              <a:t>2/20/2019</a:t>
+              <a:t>3/16/2020</a:t>
             </a:fld>
             <a:endParaRPr lang="en-US" dirty="0"/>
           </a:p>
@@ -1562,7 +1561,7 @@
           <a:p>
             <a:fld id="{B7FCA03E-80A5-466A-B4B4-2B8FCC7E2AEA}" type="datetime1">
               <a:rPr lang="en-US" smtClean="0"/>
-              <a:t>2/20/2019</a:t>
+              <a:t>3/16/2020</a:t>
             </a:fld>
             <a:endParaRPr lang="en-US" dirty="0"/>
           </a:p>
@@ -2011,7 +2010,7 @@
           <a:p>
             <a:fld id="{BFC04CE4-31EE-4F2B-B744-8EA83E1FE85E}" type="datetime1">
               <a:rPr lang="en-US" smtClean="0"/>
-              <a:t>2/20/2019</a:t>
+              <a:t>3/16/2020</a:t>
             </a:fld>
             <a:endParaRPr lang="en-US" dirty="0"/>
           </a:p>
@@ -2582,7 +2581,7 @@
           <a:p>
             <a:fld id="{5E53FD72-7ED1-4AE3-A5D5-6F68728C4781}" type="datetime1">
               <a:rPr lang="en-US" smtClean="0"/>
-              <a:t>2/20/2019</a:t>
+              <a:t>3/16/2020</a:t>
             </a:fld>
             <a:endParaRPr lang="en-US" dirty="0"/>
           </a:p>
@@ -3429,7 +3428,7 @@
           <a:p>
             <a:fld id="{DB065CE1-EB77-408D-8750-22984ACCA118}" type="datetime1">
               <a:rPr lang="en-US" smtClean="0"/>
-              <a:t>2/20/2019</a:t>
+              <a:t>3/16/2020</a:t>
             </a:fld>
             <a:endParaRPr lang="en-US" dirty="0"/>
           </a:p>
@@ -3629,7 +3628,7 @@
           <a:p>
             <a:fld id="{83D43F08-357A-4172-8503-D86CDAB57223}" type="datetime1">
               <a:rPr lang="en-US" smtClean="0"/>
-              <a:t>2/20/2019</a:t>
+              <a:t>3/16/2020</a:t>
             </a:fld>
             <a:endParaRPr lang="en-US" dirty="0"/>
           </a:p>
@@ -3838,7 +3837,7 @@
           <a:p>
             <a:fld id="{81B3A79B-37D8-44DC-BE4B-FEEEB5E6613B}" type="datetime1">
               <a:rPr lang="en-US" smtClean="0"/>
-              <a:t>2/20/2019</a:t>
+              <a:t>3/16/2020</a:t>
             </a:fld>
             <a:endParaRPr lang="en-US" dirty="0"/>
           </a:p>
@@ -4043,7 +4042,7 @@
           <a:p>
             <a:fld id="{9A46E524-FD8D-452D-9C72-0AC53F7701F7}" type="datetimeFigureOut">
               <a:rPr lang="en-AU" smtClean="0"/>
-              <a:t>20/02/2019</a:t>
+              <a:t>16/03/2020</a:t>
             </a:fld>
             <a:endParaRPr lang="en-AU"/>
           </a:p>
@@ -4243,7 +4242,7 @@
           <a:p>
             <a:fld id="{9A46E524-FD8D-452D-9C72-0AC53F7701F7}" type="datetimeFigureOut">
               <a:rPr lang="en-AU" smtClean="0"/>
-              <a:t>20/02/2019</a:t>
+              <a:t>16/03/2020</a:t>
             </a:fld>
             <a:endParaRPr lang="en-AU"/>
           </a:p>
@@ -4430,7 +4429,7 @@
           <a:p>
             <a:fld id="{8839007D-6BCD-43A3-816F-9B9944EEE7DD}" type="datetime1">
               <a:rPr lang="en-US" smtClean="0"/>
-              <a:t>2/20/2019</a:t>
+              <a:t>3/16/2020</a:t>
             </a:fld>
             <a:endParaRPr lang="en-US" dirty="0"/>
           </a:p>
@@ -4855,7 +4854,7 @@
           <a:p>
             <a:fld id="{9A46E524-FD8D-452D-9C72-0AC53F7701F7}" type="datetimeFigureOut">
               <a:rPr lang="en-AU" smtClean="0"/>
-              <a:t>20/02/2019</a:t>
+              <a:t>16/03/2020</a:t>
             </a:fld>
             <a:endParaRPr lang="en-AU"/>
           </a:p>
@@ -5123,7 +5122,7 @@
           <a:p>
             <a:fld id="{9A46E524-FD8D-452D-9C72-0AC53F7701F7}" type="datetimeFigureOut">
               <a:rPr lang="en-AU" smtClean="0"/>
-              <a:t>20/02/2019</a:t>
+              <a:t>16/03/2020</a:t>
             </a:fld>
             <a:endParaRPr lang="en-AU"/>
           </a:p>
@@ -5538,7 +5537,7 @@
           <a:p>
             <a:fld id="{9A46E524-FD8D-452D-9C72-0AC53F7701F7}" type="datetimeFigureOut">
               <a:rPr lang="en-AU" smtClean="0"/>
-              <a:t>20/02/2019</a:t>
+              <a:t>16/03/2020</a:t>
             </a:fld>
             <a:endParaRPr lang="en-AU"/>
           </a:p>
@@ -5680,7 +5679,7 @@
           <a:p>
             <a:fld id="{9A46E524-FD8D-452D-9C72-0AC53F7701F7}" type="datetimeFigureOut">
               <a:rPr lang="en-AU" smtClean="0"/>
-              <a:t>20/02/2019</a:t>
+              <a:t>16/03/2020</a:t>
             </a:fld>
             <a:endParaRPr lang="en-AU"/>
           </a:p>
@@ -5793,7 +5792,7 @@
           <a:p>
             <a:fld id="{9A46E524-FD8D-452D-9C72-0AC53F7701F7}" type="datetimeFigureOut">
               <a:rPr lang="en-AU" smtClean="0"/>
-              <a:t>20/02/2019</a:t>
+              <a:t>16/03/2020</a:t>
             </a:fld>
             <a:endParaRPr lang="en-AU"/>
           </a:p>
@@ -6106,7 +6105,7 @@
           <a:p>
             <a:fld id="{9A46E524-FD8D-452D-9C72-0AC53F7701F7}" type="datetimeFigureOut">
               <a:rPr lang="en-AU" smtClean="0"/>
-              <a:t>20/02/2019</a:t>
+              <a:t>16/03/2020</a:t>
             </a:fld>
             <a:endParaRPr lang="en-AU"/>
           </a:p>
@@ -6395,7 +6394,7 @@
           <a:p>
             <a:fld id="{9A46E524-FD8D-452D-9C72-0AC53F7701F7}" type="datetimeFigureOut">
               <a:rPr lang="en-AU" smtClean="0"/>
-              <a:t>20/02/2019</a:t>
+              <a:t>16/03/2020</a:t>
             </a:fld>
             <a:endParaRPr lang="en-AU"/>
           </a:p>
@@ -6595,7 +6594,7 @@
           <a:p>
             <a:fld id="{9A46E524-FD8D-452D-9C72-0AC53F7701F7}" type="datetimeFigureOut">
               <a:rPr lang="en-AU" smtClean="0"/>
-              <a:t>20/02/2019</a:t>
+              <a:t>16/03/2020</a:t>
             </a:fld>
             <a:endParaRPr lang="en-AU"/>
           </a:p>
@@ -6805,7 +6804,7 @@
           <a:p>
             <a:fld id="{9A46E524-FD8D-452D-9C72-0AC53F7701F7}" type="datetimeFigureOut">
               <a:rPr lang="en-AU" smtClean="0"/>
-              <a:t>20/02/2019</a:t>
+              <a:t>16/03/2020</a:t>
             </a:fld>
             <a:endParaRPr lang="en-AU"/>
           </a:p>
@@ -7097,7 +7096,7 @@
           <a:p>
             <a:fld id="{7A04BD80-684F-43EC-BD8A-3313B4EC3815}" type="datetime1">
               <a:rPr lang="en-US" smtClean="0"/>
-              <a:t>2/20/2019</a:t>
+              <a:t>3/16/2020</a:t>
             </a:fld>
             <a:endParaRPr lang="en-US" dirty="0"/>
           </a:p>
@@ -7359,7 +7358,7 @@
           <a:p>
             <a:fld id="{E64D2021-F3A0-43D8-B6B3-AE7BBAB9890A}" type="datetime1">
               <a:rPr lang="en-US" smtClean="0"/>
-              <a:t>2/20/2019</a:t>
+              <a:t>3/16/2020</a:t>
             </a:fld>
             <a:endParaRPr lang="en-US" dirty="0"/>
           </a:p>
@@ -7769,7 +7768,7 @@
           <a:p>
             <a:fld id="{182B9AF0-B7DD-4DE1-A9F5-91BE63737632}" type="datetime1">
               <a:rPr lang="en-US" smtClean="0"/>
-              <a:t>2/20/2019</a:t>
+              <a:t>3/16/2020</a:t>
             </a:fld>
             <a:endParaRPr lang="en-US" dirty="0"/>
           </a:p>
@@ -7912,7 +7911,7 @@
           <a:p>
             <a:fld id="{073F85E4-564C-4728-AEFB-C8F906AA693D}" type="datetime1">
               <a:rPr lang="en-US" smtClean="0"/>
-              <a:t>2/20/2019</a:t>
+              <a:t>3/16/2020</a:t>
             </a:fld>
             <a:endParaRPr lang="en-US" dirty="0"/>
           </a:p>
@@ -8032,7 +8031,7 @@
           <a:p>
             <a:fld id="{BE00A3BD-B35C-46C6-B7B7-E519136B132D}" type="datetime1">
               <a:rPr lang="en-US" smtClean="0"/>
-              <a:t>2/20/2019</a:t>
+              <a:t>3/16/2020</a:t>
             </a:fld>
             <a:endParaRPr lang="en-US" dirty="0"/>
           </a:p>
@@ -8306,7 +8305,7 @@
           <a:p>
             <a:fld id="{5BC59E4D-16D2-4652-AD24-ABC7C4E21225}" type="datetime1">
               <a:rPr lang="en-US" smtClean="0"/>
-              <a:t>2/20/2019</a:t>
+              <a:t>3/16/2020</a:t>
             </a:fld>
             <a:endParaRPr lang="en-US" dirty="0"/>
           </a:p>
@@ -8613,7 +8612,7 @@
           <a:p>
             <a:fld id="{A7BFFB6C-937C-401A-B23B-FFE1848A43F3}" type="datetime1">
               <a:rPr lang="en-US" smtClean="0"/>
-              <a:t>2/20/2019</a:t>
+              <a:t>3/16/2020</a:t>
             </a:fld>
             <a:endParaRPr lang="en-US" dirty="0"/>
           </a:p>
@@ -8861,7 +8860,7 @@
           <a:p>
             <a:fld id="{A3AB179A-3664-45B4-AF75-5A588F18B660}" type="datetime1">
               <a:rPr lang="en-US" smtClean="0"/>
-              <a:t>2/20/2019</a:t>
+              <a:t>3/16/2020</a:t>
             </a:fld>
             <a:endParaRPr lang="en-US" dirty="0"/>
           </a:p>
@@ -9455,7 +9454,7 @@
           <a:p>
             <a:fld id="{9A46E524-FD8D-452D-9C72-0AC53F7701F7}" type="datetimeFigureOut">
               <a:rPr lang="en-AU" smtClean="0"/>
-              <a:t>20/02/2019</a:t>
+              <a:t>16/03/2020</a:t>
             </a:fld>
             <a:endParaRPr lang="en-AU"/>
           </a:p>
@@ -10308,11 +10307,11 @@
   <p:clrMapOvr>
     <a:masterClrMapping/>
   </p:clrMapOvr>
-  <mc:AlternateContent xmlns:mc="http://schemas.openxmlformats.org/markup-compatibility/2006">
-    <mc:Choice xmlns:p14="http://schemas.microsoft.com/office/powerpoint/2010/main" Requires="p14">
+  <mc:AlternateContent xmlns:mc="http://schemas.openxmlformats.org/markup-compatibility/2006" xmlns:p14="http://schemas.microsoft.com/office/powerpoint/2010/main">
+    <mc:Choice Requires="p14">
       <p:transition spd="slow" p14:dur="2000" advTm="6450"/>
     </mc:Choice>
-    <mc:Fallback>
+    <mc:Fallback xmlns="">
       <p:transition spd="slow" advTm="6450"/>
     </mc:Fallback>
   </mc:AlternateContent>
@@ -11143,11 +11142,11 @@
   <p:clrMapOvr>
     <a:masterClrMapping/>
   </p:clrMapOvr>
-  <mc:AlternateContent xmlns:mc="http://schemas.openxmlformats.org/markup-compatibility/2006">
-    <mc:Choice xmlns:p14="http://schemas.microsoft.com/office/powerpoint/2010/main" Requires="p14">
+  <mc:AlternateContent xmlns:mc="http://schemas.openxmlformats.org/markup-compatibility/2006" xmlns:p14="http://schemas.microsoft.com/office/powerpoint/2010/main">
+    <mc:Choice Requires="p14">
       <p:transition spd="slow" p14:dur="2000" advTm="35334"/>
     </mc:Choice>
-    <mc:Fallback>
+    <mc:Fallback xmlns="">
       <p:transition spd="slow" advTm="35334"/>
     </mc:Fallback>
   </mc:AlternateContent>
@@ -13601,11 +13600,11 @@
   <p:clrMapOvr>
     <a:masterClrMapping/>
   </p:clrMapOvr>
-  <mc:AlternateContent xmlns:mc="http://schemas.openxmlformats.org/markup-compatibility/2006">
-    <mc:Choice xmlns:p14="http://schemas.microsoft.com/office/powerpoint/2010/main" Requires="p14">
+  <mc:AlternateContent xmlns:mc="http://schemas.openxmlformats.org/markup-compatibility/2006" xmlns:p14="http://schemas.microsoft.com/office/powerpoint/2010/main">
+    <mc:Choice Requires="p14">
       <p:transition spd="slow" p14:dur="2000" advTm="53049"/>
     </mc:Choice>
-    <mc:Fallback>
+    <mc:Fallback xmlns="">
       <p:transition spd="slow" advTm="53049"/>
     </mc:Fallback>
   </mc:AlternateContent>
@@ -15827,8 +15826,8 @@
         </p:nvSpPr>
         <p:spPr>
           <a:xfrm>
-            <a:off x="1031421" y="1234099"/>
-            <a:ext cx="8945336" cy="2300630"/>
+            <a:off x="1031421" y="1274919"/>
+            <a:ext cx="8945336" cy="2023631"/>
           </a:xfrm>
           <a:prstGeom prst="rect">
             <a:avLst/>
@@ -15851,7 +15850,7 @@
               <a:buChar char="•"/>
             </a:pPr>
             <a:r>
-              <a:rPr lang="en-US" sz="1200">
+              <a:rPr lang="en-US" sz="1050">
                 <a:latin typeface="Calibri" panose="020F0502020204030204" pitchFamily="34" charset="0"/>
                 <a:cs typeface="Calibri" panose="020F0502020204030204" pitchFamily="34" charset="0"/>
               </a:rPr>
@@ -15864,7 +15863,7 @@
               <a:buChar char="•"/>
             </a:pPr>
             <a:r>
-              <a:rPr lang="en-US" sz="1200">
+              <a:rPr lang="en-US" sz="1050">
                 <a:latin typeface="Calibri" panose="020F0502020204030204" pitchFamily="34" charset="0"/>
                 <a:cs typeface="Calibri" panose="020F0502020204030204" pitchFamily="34" charset="0"/>
               </a:rPr>
@@ -15877,7 +15876,7 @@
               <a:buChar char="•"/>
             </a:pPr>
             <a:r>
-              <a:rPr lang="en-US" sz="1050" b="1">
+              <a:rPr lang="en-US" sz="900" b="1">
                 <a:latin typeface="Calibri" panose="020F0502020204030204" pitchFamily="34" charset="0"/>
                 <a:cs typeface="Calibri" panose="020F0502020204030204" pitchFamily="34" charset="0"/>
               </a:rPr>
@@ -15890,14 +15889,14 @@
               <a:buChar char="•"/>
             </a:pPr>
             <a:r>
-              <a:rPr lang="en-US" sz="1000">
+              <a:rPr lang="en-US" sz="800">
                 <a:latin typeface="Calibri" panose="020F0502020204030204" pitchFamily="34" charset="0"/>
                 <a:cs typeface="Calibri" panose="020F0502020204030204" pitchFamily="34" charset="0"/>
               </a:rPr>
               <a:t>h</a:t>
             </a:r>
             <a:r>
-              <a:rPr lang="en-AU" sz="1000">
+              <a:rPr lang="en-AU" sz="800">
                 <a:latin typeface="Calibri" panose="020F0502020204030204" pitchFamily="34" charset="0"/>
                 <a:cs typeface="Calibri" panose="020F0502020204030204" pitchFamily="34" charset="0"/>
               </a:rPr>
@@ -15910,7 +15909,7 @@
               <a:buChar char="•"/>
             </a:pPr>
             <a:r>
-              <a:rPr lang="en-AU" sz="1200">
+              <a:rPr lang="en-AU" sz="1050">
                 <a:latin typeface="Calibri" panose="020F0502020204030204" pitchFamily="34" charset="0"/>
                 <a:cs typeface="Calibri" panose="020F0502020204030204" pitchFamily="34" charset="0"/>
               </a:rPr>
@@ -15923,11 +15922,60 @@
               <a:buChar char="•"/>
             </a:pPr>
             <a:r>
+              <a:rPr lang="en-US" sz="900">
+                <a:latin typeface="Calibri" panose="020F0502020204030204" pitchFamily="34" charset="0"/>
+                <a:cs typeface="Calibri" panose="020F0502020204030204" pitchFamily="34" charset="0"/>
+              </a:rPr>
+              <a:t>Driver: netCDF/Network Common Data Format</a:t>
+            </a:r>
+          </a:p>
+          <a:p>
+            <a:pPr marL="1085850" lvl="2" indent="-171450">
+              <a:buFont typeface="Arial" panose="020B0604020202020204" pitchFamily="34" charset="0"/>
+              <a:buChar char="•"/>
+            </a:pPr>
+            <a:r>
+              <a:rPr lang="en-US" sz="900">
+                <a:latin typeface="Calibri" panose="020F0502020204030204" pitchFamily="34" charset="0"/>
+                <a:cs typeface="Calibri" panose="020F0502020204030204" pitchFamily="34" charset="0"/>
+              </a:rPr>
+              <a:t>This can be opened in both QGIS and Panoply.</a:t>
+            </a:r>
+          </a:p>
+          <a:p>
+            <a:pPr marL="1085850" lvl="2" indent="-171450">
+              <a:buFont typeface="Arial" panose="020B0604020202020204" pitchFamily="34" charset="0"/>
+              <a:buChar char="•"/>
+            </a:pPr>
+            <a:endParaRPr lang="en-AU" sz="1050">
+              <a:latin typeface="Calibri" panose="020F0502020204030204" pitchFamily="34" charset="0"/>
+              <a:cs typeface="Calibri" panose="020F0502020204030204" pitchFamily="34" charset="0"/>
+            </a:endParaRPr>
+          </a:p>
+          <a:p>
+            <a:pPr marL="171450" indent="-171450">
+              <a:buFont typeface="Arial" panose="020B0604020202020204" pitchFamily="34" charset="0"/>
+              <a:buChar char="•"/>
+            </a:pPr>
+            <a:r>
               <a:rPr lang="en-US" sz="1050">
                 <a:latin typeface="Calibri" panose="020F0502020204030204" pitchFamily="34" charset="0"/>
                 <a:cs typeface="Calibri" panose="020F0502020204030204" pitchFamily="34" charset="0"/>
               </a:rPr>
-              <a:t>Driver: netCDF/Network Common Data Format</a:t>
+              <a:t>The output file can also be saved and used as *.tiff, in which case the driver is different.</a:t>
+            </a:r>
+          </a:p>
+          <a:p>
+            <a:pPr marL="628650" lvl="1" indent="-171450">
+              <a:buFont typeface="Arial" panose="020B0604020202020204" pitchFamily="34" charset="0"/>
+              <a:buChar char="•"/>
+            </a:pPr>
+            <a:r>
+              <a:rPr lang="en-AU" sz="1050">
+                <a:latin typeface="Calibri" panose="020F0502020204030204" pitchFamily="34" charset="0"/>
+                <a:cs typeface="Calibri" panose="020F0502020204030204" pitchFamily="34" charset="0"/>
+              </a:rPr>
+              <a:t>`gdalinfo aggregate_netcdf.tiff`</a:t>
             </a:r>
           </a:p>
           <a:p>
@@ -15936,11 +15984,11 @@
               <a:buChar char="•"/>
             </a:pPr>
             <a:r>
-              <a:rPr lang="en-US" sz="1050">
+              <a:rPr lang="en-AU" sz="800">
                 <a:latin typeface="Calibri" panose="020F0502020204030204" pitchFamily="34" charset="0"/>
                 <a:cs typeface="Calibri" panose="020F0502020204030204" pitchFamily="34" charset="0"/>
               </a:rPr>
-              <a:t>This can be opened in both QGIS and Panoply.</a:t>
+              <a:t>Driver: HDF5Image/HDF5 Dataset</a:t>
             </a:r>
           </a:p>
           <a:p>
@@ -15948,64 +15996,15 @@
               <a:buFont typeface="Arial" panose="020B0604020202020204" pitchFamily="34" charset="0"/>
               <a:buChar char="•"/>
             </a:pPr>
-            <a:endParaRPr lang="en-AU" sz="1200">
-              <a:latin typeface="Calibri" panose="020F0502020204030204" pitchFamily="34" charset="0"/>
-              <a:cs typeface="Calibri" panose="020F0502020204030204" pitchFamily="34" charset="0"/>
-            </a:endParaRPr>
-          </a:p>
-          <a:p>
-            <a:pPr marL="171450" indent="-171450">
-              <a:buFont typeface="Arial" panose="020B0604020202020204" pitchFamily="34" charset="0"/>
-              <a:buChar char="•"/>
-            </a:pPr>
-            <a:r>
-              <a:rPr lang="en-US" sz="1200">
-                <a:latin typeface="Calibri" panose="020F0502020204030204" pitchFamily="34" charset="0"/>
-                <a:cs typeface="Calibri" panose="020F0502020204030204" pitchFamily="34" charset="0"/>
-              </a:rPr>
-              <a:t>The output file can also be saved and used as *.tiff, in which case the driver is different.</a:t>
-            </a:r>
-          </a:p>
-          <a:p>
-            <a:pPr marL="628650" lvl="1" indent="-171450">
-              <a:buFont typeface="Arial" panose="020B0604020202020204" pitchFamily="34" charset="0"/>
-              <a:buChar char="•"/>
-            </a:pPr>
-            <a:r>
-              <a:rPr lang="en-AU" sz="1200">
-                <a:latin typeface="Calibri" panose="020F0502020204030204" pitchFamily="34" charset="0"/>
-                <a:cs typeface="Calibri" panose="020F0502020204030204" pitchFamily="34" charset="0"/>
-              </a:rPr>
-              <a:t>`gdalinfo aggregate_netcdf.tiff`</a:t>
-            </a:r>
-          </a:p>
-          <a:p>
-            <a:pPr marL="1085850" lvl="2" indent="-171450">
-              <a:buFont typeface="Arial" panose="020B0604020202020204" pitchFamily="34" charset="0"/>
-              <a:buChar char="•"/>
-            </a:pPr>
-            <a:r>
-              <a:rPr lang="en-AU" sz="1000">
-                <a:latin typeface="Calibri" panose="020F0502020204030204" pitchFamily="34" charset="0"/>
-                <a:cs typeface="Calibri" panose="020F0502020204030204" pitchFamily="34" charset="0"/>
-              </a:rPr>
-              <a:t>Driver: HDF5Image/HDF5 Dataset</a:t>
-            </a:r>
-          </a:p>
-          <a:p>
-            <a:pPr marL="1085850" lvl="2" indent="-171450">
-              <a:buFont typeface="Arial" panose="020B0604020202020204" pitchFamily="34" charset="0"/>
-              <a:buChar char="•"/>
-            </a:pPr>
-            <a:r>
-              <a:rPr lang="en-US" sz="1000">
+            <a:r>
+              <a:rPr lang="en-US" sz="800">
                 <a:latin typeface="Calibri" panose="020F0502020204030204" pitchFamily="34" charset="0"/>
                 <a:cs typeface="Calibri" panose="020F0502020204030204" pitchFamily="34" charset="0"/>
               </a:rPr>
               <a:t>T</a:t>
             </a:r>
             <a:r>
-              <a:rPr lang="en-AU" sz="1000">
+              <a:rPr lang="en-AU" sz="800">
                 <a:latin typeface="Calibri" panose="020F0502020204030204" pitchFamily="34" charset="0"/>
                 <a:cs typeface="Calibri" panose="020F0502020204030204" pitchFamily="34" charset="0"/>
               </a:rPr>
@@ -16028,8 +16027,8 @@
         </p:nvSpPr>
         <p:spPr>
           <a:xfrm>
-            <a:off x="1031421" y="3673929"/>
-            <a:ext cx="8945336" cy="1769715"/>
+            <a:off x="1031421" y="3339194"/>
+            <a:ext cx="8945336" cy="2131353"/>
           </a:xfrm>
           <a:prstGeom prst="rect">
             <a:avLst/>
@@ -16047,16 +16046,40 @@
           </a:bodyPr>
           <a:lstStyle/>
           <a:p>
-            <a:pPr marL="171450" indent="-171450" algn="l">
+            <a:pPr marL="171450" indent="-171450">
               <a:buFont typeface="Arial" panose="020B0604020202020204" pitchFamily="34" charset="0"/>
               <a:buChar char="•"/>
             </a:pPr>
             <a:r>
-              <a:rPr lang="en-US" sz="1200" b="1">
+              <a:rPr lang="en-US" sz="1050">
                 <a:latin typeface="Calibri" panose="020F0502020204030204" pitchFamily="34" charset="0"/>
                 <a:cs typeface="Calibri" panose="020F0502020204030204" pitchFamily="34" charset="0"/>
               </a:rPr>
-              <a:t>CODE Changes:</a:t>
+              <a:t>Code changes in</a:t>
+            </a:r>
+            <a:r>
+              <a:rPr lang="en-US" sz="1050" b="1">
+                <a:latin typeface="Calibri" panose="020F0502020204030204" pitchFamily="34" charset="0"/>
+                <a:cs typeface="Calibri" panose="020F0502020204030204" pitchFamily="34" charset="0"/>
+              </a:rPr>
+              <a:t> </a:t>
+            </a:r>
+            <a:r>
+              <a:rPr lang="en-US" sz="1050" b="1">
+                <a:solidFill>
+                  <a:srgbClr val="00B0F0"/>
+                </a:solidFill>
+                <a:latin typeface="Calibri" panose="020F0502020204030204" pitchFamily="34" charset="0"/>
+                <a:cs typeface="Calibri" panose="020F0502020204030204" pitchFamily="34" charset="0"/>
+              </a:rPr>
+              <a:t>/local/gsky/gopath/src/github.com/nci/gsky/ows.go</a:t>
+            </a:r>
+            <a:r>
+              <a:rPr lang="en-US" sz="1050" b="1">
+                <a:latin typeface="Calibri" panose="020F0502020204030204" pitchFamily="34" charset="0"/>
+                <a:cs typeface="Calibri" panose="020F0502020204030204" pitchFamily="34" charset="0"/>
+              </a:rPr>
+              <a:t>:</a:t>
             </a:r>
           </a:p>
           <a:p>
@@ -16065,14 +16088,60 @@
               <a:buChar char="•"/>
             </a:pPr>
             <a:r>
-              <a:rPr lang="pt-BR" sz="1200">
+              <a:rPr lang="en-US" sz="1050" b="1">
+                <a:solidFill>
+                  <a:srgbClr val="00B0F0"/>
+                </a:solidFill>
+                <a:latin typeface="Calibri" panose="020F0502020204030204" pitchFamily="34" charset="0"/>
+                <a:cs typeface="Calibri" panose="020F0502020204030204" pitchFamily="34" charset="0"/>
+              </a:rPr>
+              <a:t>Global</a:t>
+            </a:r>
+            <a:r>
+              <a:rPr lang="en-US" sz="1050" b="1">
+                <a:latin typeface="Calibri" panose="020F0502020204030204" pitchFamily="34" charset="0"/>
+                <a:cs typeface="Calibri" panose="020F0502020204030204" pitchFamily="34" charset="0"/>
+              </a:rPr>
+              <a:t>:</a:t>
+            </a:r>
+          </a:p>
+          <a:p>
+            <a:pPr marL="1085850" lvl="2" indent="-171450">
+              <a:buFont typeface="Arial" panose="020B0604020202020204" pitchFamily="34" charset="0"/>
+              <a:buChar char="•"/>
+            </a:pPr>
+            <a:r>
+              <a:rPr lang="en-US" sz="1050">
+                <a:latin typeface="Calibri" panose="020F0502020204030204" pitchFamily="34" charset="0"/>
+                <a:cs typeface="Calibri" panose="020F0502020204030204" pitchFamily="34" charset="0"/>
+              </a:rPr>
+              <a:t>58:	dap = flag.Bool("dap", true, "For DAP-GSKY Service.")</a:t>
+            </a:r>
+          </a:p>
+          <a:p>
+            <a:pPr marL="628650" lvl="1" indent="-171450">
+              <a:buFont typeface="Arial" panose="020B0604020202020204" pitchFamily="34" charset="0"/>
+              <a:buChar char="•"/>
+            </a:pPr>
+            <a:endParaRPr lang="en-US" sz="1050" b="1">
+              <a:latin typeface="Calibri" panose="020F0502020204030204" pitchFamily="34" charset="0"/>
+              <a:cs typeface="Calibri" panose="020F0502020204030204" pitchFamily="34" charset="0"/>
+            </a:endParaRPr>
+          </a:p>
+          <a:p>
+            <a:pPr marL="628650" lvl="1" indent="-171450">
+              <a:buFont typeface="Arial" panose="020B0604020202020204" pitchFamily="34" charset="0"/>
+              <a:buChar char="•"/>
+            </a:pPr>
+            <a:r>
+              <a:rPr lang="pt-BR" sz="1050">
                 <a:latin typeface="Calibri" panose="020F0502020204030204" pitchFamily="34" charset="0"/>
                 <a:cs typeface="Calibri" panose="020F0502020204030204" pitchFamily="34" charset="0"/>
               </a:rPr>
               <a:t>func </a:t>
             </a:r>
             <a:r>
-              <a:rPr lang="pt-BR" sz="1200" b="1">
+              <a:rPr lang="pt-BR" sz="1050" b="1">
                 <a:solidFill>
                   <a:srgbClr val="00B0F0"/>
                 </a:solidFill>
@@ -16082,7 +16151,7 @@
               <a:t>generalHandler</a:t>
             </a:r>
             <a:r>
-              <a:rPr lang="pt-BR" sz="1200">
+              <a:rPr lang="pt-BR" sz="1050">
                 <a:latin typeface="Calibri" panose="020F0502020204030204" pitchFamily="34" charset="0"/>
                 <a:cs typeface="Calibri" panose="020F0502020204030204" pitchFamily="34" charset="0"/>
               </a:rPr>
@@ -16095,11 +16164,25 @@
               <a:buChar char="•"/>
             </a:pPr>
             <a:r>
-              <a:rPr lang="pt-BR" sz="1100" b="1">
+              <a:rPr lang="pt-BR" sz="1000" b="1">
                 <a:latin typeface="Calibri" panose="020F0502020204030204" pitchFamily="34" charset="0"/>
                 <a:cs typeface="Calibri" panose="020F0502020204030204" pitchFamily="34" charset="0"/>
               </a:rPr>
-              <a:t>	case "WCS":</a:t>
+              <a:t>	</a:t>
+            </a:r>
+            <a:r>
+              <a:rPr lang="pt-BR" sz="1000">
+                <a:latin typeface="Calibri" panose="020F0502020204030204" pitchFamily="34" charset="0"/>
+                <a:cs typeface="Calibri" panose="020F0502020204030204" pitchFamily="34" charset="0"/>
+              </a:rPr>
+              <a:t>case</a:t>
+            </a:r>
+            <a:r>
+              <a:rPr lang="pt-BR" sz="1000" b="1">
+                <a:latin typeface="Calibri" panose="020F0502020204030204" pitchFamily="34" charset="0"/>
+                <a:cs typeface="Calibri" panose="020F0502020204030204" pitchFamily="34" charset="0"/>
+              </a:rPr>
+              <a:t> "WCS":</a:t>
             </a:r>
           </a:p>
           <a:p>
@@ -16108,28 +16191,11 @@
               <a:buChar char="•"/>
             </a:pPr>
             <a:r>
-              <a:rPr lang="pt-BR" sz="1000">
+              <a:rPr lang="en-US" sz="1000">
                 <a:latin typeface="Calibri" panose="020F0502020204030204" pitchFamily="34" charset="0"/>
                 <a:cs typeface="Calibri" panose="020F0502020204030204" pitchFamily="34" charset="0"/>
               </a:rPr>
-              <a:t>1312:	</a:t>
-            </a:r>
-            <a:r>
-              <a:rPr lang="pt-BR" sz="1000">
-                <a:solidFill>
-                  <a:srgbClr val="C00000"/>
-                </a:solidFill>
-                <a:latin typeface="Calibri" panose="020F0502020204030204" pitchFamily="34" charset="0"/>
-                <a:cs typeface="Calibri" panose="020F0502020204030204" pitchFamily="34" charset="0"/>
-              </a:rPr>
-              <a:t>query["format"][0] = "netcdf" </a:t>
-            </a:r>
-            <a:r>
-              <a:rPr lang="pt-BR" sz="1000">
-                <a:latin typeface="Calibri" panose="020F0502020204030204" pitchFamily="34" charset="0"/>
-                <a:cs typeface="Calibri" panose="020F0502020204030204" pitchFamily="34" charset="0"/>
-              </a:rPr>
-              <a:t>// AVS: Save the file as NetCDF (*.nc) on the server and as HDF5Image/HDF5 on PC (*nc or *.tiff)</a:t>
+              <a:t>1322:	if (*dap) {</a:t>
             </a:r>
           </a:p>
           <a:p>
@@ -16138,12 +16204,35 @@
               <a:buChar char="•"/>
             </a:pPr>
             <a:r>
-              <a:rPr lang="pt-BR" sz="1000">
+              <a:rPr lang="en-US" sz="1000">
                 <a:latin typeface="Calibri" panose="020F0502020204030204" pitchFamily="34" charset="0"/>
                 <a:cs typeface="Calibri" panose="020F0502020204030204" pitchFamily="34" charset="0"/>
               </a:rPr>
-              <a:t>		params, err := utils.WCSParamsChecker(query, reWCSMap)</a:t>
-            </a:r>
+              <a:t>			query["format"][0] = "netcdf")</a:t>
+            </a:r>
+          </a:p>
+          <a:p>
+            <a:pPr marL="1085850" lvl="2" indent="-171450">
+              <a:buFont typeface="Arial" panose="020B0604020202020204" pitchFamily="34" charset="0"/>
+              <a:buChar char="•"/>
+            </a:pPr>
+            <a:r>
+              <a:rPr lang="en-US" sz="1000">
+                <a:latin typeface="Calibri" panose="020F0502020204030204" pitchFamily="34" charset="0"/>
+                <a:cs typeface="Calibri" panose="020F0502020204030204" pitchFamily="34" charset="0"/>
+              </a:rPr>
+              <a:t>		}</a:t>
+            </a:r>
+          </a:p>
+          <a:p>
+            <a:pPr marL="1085850" lvl="2" indent="-171450">
+              <a:buFont typeface="Arial" panose="020B0604020202020204" pitchFamily="34" charset="0"/>
+              <a:buChar char="•"/>
+            </a:pPr>
+            <a:endParaRPr lang="pt-BR" sz="1000" b="1">
+              <a:latin typeface="Calibri" panose="020F0502020204030204" pitchFamily="34" charset="0"/>
+              <a:cs typeface="Calibri" panose="020F0502020204030204" pitchFamily="34" charset="0"/>
+            </a:endParaRPr>
           </a:p>
           <a:p>
             <a:pPr marL="628650" lvl="1" indent="-171450">
@@ -16151,14 +16240,14 @@
               <a:buChar char="•"/>
             </a:pPr>
             <a:r>
-              <a:rPr lang="pt-BR" sz="1200">
+              <a:rPr lang="pt-BR" sz="1050">
                 <a:latin typeface="Calibri" panose="020F0502020204030204" pitchFamily="34" charset="0"/>
                 <a:cs typeface="Calibri" panose="020F0502020204030204" pitchFamily="34" charset="0"/>
               </a:rPr>
               <a:t>func </a:t>
             </a:r>
             <a:r>
-              <a:rPr lang="pt-BR" sz="1200" b="1">
+              <a:rPr lang="pt-BR" sz="1050" b="1">
                 <a:solidFill>
                   <a:srgbClr val="00B0F0"/>
                 </a:solidFill>
@@ -16168,7 +16257,7 @@
               <a:t>serveWCS</a:t>
             </a:r>
             <a:r>
-              <a:rPr lang="pt-BR" sz="1200">
+              <a:rPr lang="pt-BR" sz="1050">
                 <a:latin typeface="Calibri" panose="020F0502020204030204" pitchFamily="34" charset="0"/>
                 <a:cs typeface="Calibri" panose="020F0502020204030204" pitchFamily="34" charset="0"/>
               </a:rPr>
@@ -16181,104 +16270,46 @@
               <a:buChar char="•"/>
             </a:pPr>
             <a:r>
-              <a:rPr lang="pt-BR" sz="1200">
+              <a:rPr lang="pt-BR" sz="1050">
                 <a:latin typeface="Calibri" panose="020F0502020204030204" pitchFamily="34" charset="0"/>
                 <a:cs typeface="Calibri" panose="020F0502020204030204" pitchFamily="34" charset="0"/>
               </a:rPr>
-              <a:t>	case "GetCoverage":</a:t>
-            </a:r>
-          </a:p>
-          <a:p>
-            <a:pPr marL="1085850" lvl="2" indent="-171450">
+              <a:t>	case "</a:t>
+            </a:r>
+            <a:r>
+              <a:rPr lang="pt-BR" sz="1050" b="1">
+                <a:latin typeface="Calibri" panose="020F0502020204030204" pitchFamily="34" charset="0"/>
+                <a:cs typeface="Calibri" panose="020F0502020204030204" pitchFamily="34" charset="0"/>
+              </a:rPr>
+              <a:t>GetCoverage</a:t>
+            </a:r>
+            <a:r>
+              <a:rPr lang="pt-BR" sz="1050">
+                <a:latin typeface="Calibri" panose="020F0502020204030204" pitchFamily="34" charset="0"/>
+                <a:cs typeface="Calibri" panose="020F0502020204030204" pitchFamily="34" charset="0"/>
+              </a:rPr>
+              <a:t>":</a:t>
+            </a:r>
+          </a:p>
+          <a:p>
+            <a:pPr marL="1543050" lvl="3" indent="-171450">
               <a:buFont typeface="Arial" panose="020B0604020202020204" pitchFamily="34" charset="0"/>
               <a:buChar char="•"/>
             </a:pPr>
             <a:r>
-              <a:rPr lang="pt-BR" sz="1000">
+              <a:rPr lang="pt-BR" sz="800">
                 <a:latin typeface="Calibri" panose="020F0502020204030204" pitchFamily="34" charset="0"/>
                 <a:cs typeface="Calibri" panose="020F0502020204030204" pitchFamily="34" charset="0"/>
               </a:rPr>
-              <a:t>1006:	</a:t>
-            </a:r>
-            <a:r>
-              <a:rPr lang="pt-BR" sz="1000">
-                <a:solidFill>
-                  <a:srgbClr val="C00000"/>
-                </a:solidFill>
+              <a:t>1037:	 </a:t>
+            </a:r>
+            <a:r>
+              <a:rPr lang="pt-BR" sz="900">
                 <a:latin typeface="Calibri" panose="020F0502020204030204" pitchFamily="34" charset="0"/>
                 <a:cs typeface="Calibri" panose="020F0502020204030204" pitchFamily="34" charset="0"/>
               </a:rPr>
-              <a:t>os.Rename(masterTempFile, "/home/900/avs900/OpenDAP/aggregate_netcdf.nc") </a:t>
-            </a:r>
-            <a:r>
-              <a:rPr lang="pt-BR" sz="1000">
-                <a:latin typeface="Calibri" panose="020F0502020204030204" pitchFamily="34" charset="0"/>
-                <a:cs typeface="Calibri" panose="020F0502020204030204" pitchFamily="34" charset="0"/>
-              </a:rPr>
-              <a:t>// AVS: Save as NetCDF for use within VDI</a:t>
-            </a:r>
-          </a:p>
-          <a:p>
-            <a:pPr marL="1085850" lvl="2" indent="-171450">
-              <a:buFont typeface="Arial" panose="020B0604020202020204" pitchFamily="34" charset="0"/>
-              <a:buChar char="•"/>
-            </a:pPr>
-            <a:r>
-              <a:rPr lang="pt-BR" sz="1000">
-                <a:latin typeface="Calibri" panose="020F0502020204030204" pitchFamily="34" charset="0"/>
-                <a:cs typeface="Calibri" panose="020F0502020204030204" pitchFamily="34" charset="0"/>
-              </a:rPr>
-              <a:t>1007:		</a:t>
-            </a:r>
-            <a:r>
-              <a:rPr lang="pt-BR" sz="1000">
-                <a:solidFill>
-                  <a:srgbClr val="C00000"/>
-                </a:solidFill>
-                <a:latin typeface="Calibri" panose="020F0502020204030204" pitchFamily="34" charset="0"/>
-                <a:cs typeface="Calibri" panose="020F0502020204030204" pitchFamily="34" charset="0"/>
-              </a:rPr>
-              <a:t>_ = os.Chmod("/home/900/avs900/OpenDAP/aggregate_netcdf.nc", 0644)</a:t>
-            </a:r>
-          </a:p>
-          <a:p>
-            <a:pPr marL="1085850" lvl="2" indent="-171450">
-              <a:buFont typeface="Arial" panose="020B0604020202020204" pitchFamily="34" charset="0"/>
-              <a:buChar char="•"/>
-            </a:pPr>
-            <a:r>
-              <a:rPr lang="pt-BR" sz="1000">
-                <a:solidFill>
-                  <a:schemeClr val="bg1">
-                    <a:lumMod val="50000"/>
-                  </a:schemeClr>
-                </a:solidFill>
-                <a:latin typeface="Calibri" panose="020F0502020204030204" pitchFamily="34" charset="0"/>
-                <a:cs typeface="Calibri" panose="020F0502020204030204" pitchFamily="34" charset="0"/>
-              </a:rPr>
-              <a:t>//os.Rename(masterTempFile, "/usr/local/tds/apache-tomcat-8.5.35/content/thredds/public/gsky/gsky_test.nc") </a:t>
-            </a:r>
-            <a:r>
-              <a:rPr lang="pt-BR" sz="900">
-                <a:solidFill>
-                  <a:schemeClr val="bg1">
-                    <a:lumMod val="50000"/>
-                  </a:schemeClr>
-                </a:solidFill>
-                <a:latin typeface="Calibri" panose="020F0502020204030204" pitchFamily="34" charset="0"/>
-                <a:cs typeface="Calibri" panose="020F0502020204030204" pitchFamily="34" charset="0"/>
-              </a:rPr>
-              <a:t>// AVS: For use with THREDDS</a:t>
-            </a:r>
-            <a:endParaRPr lang="pt-BR" sz="1000">
-              <a:solidFill>
-                <a:schemeClr val="bg1">
-                  <a:lumMod val="50000"/>
-                </a:schemeClr>
-              </a:solidFill>
-              <a:latin typeface="Calibri" panose="020F0502020204030204" pitchFamily="34" charset="0"/>
-              <a:cs typeface="Calibri" panose="020F0502020204030204" pitchFamily="34" charset="0"/>
-            </a:endParaRPr>
+              <a:t>Save_aggregate_netcdf (masterTempFile) </a:t>
+            </a:r>
           </a:p>
         </p:txBody>
       </p:sp>
@@ -16288,19 +16319,19 @@
     </p:custDataLst>
     <p:extLst>
       <p:ext uri="{BB962C8B-B14F-4D97-AF65-F5344CB8AC3E}">
-        <p14:creationId xmlns:p14="http://schemas.microsoft.com/office/powerpoint/2010/main" val="1058177666"/>
+        <p14:creationId xmlns:p14="http://schemas.microsoft.com/office/powerpoint/2010/main" val="3685091895"/>
       </p:ext>
     </p:extLst>
   </p:cSld>
   <p:clrMapOvr>
     <a:masterClrMapping/>
   </p:clrMapOvr>
-  <mc:AlternateContent xmlns:mc="http://schemas.openxmlformats.org/markup-compatibility/2006">
-    <mc:Choice xmlns:p14="http://schemas.microsoft.com/office/powerpoint/2010/main" Requires="p14">
-      <p:transition spd="slow" p14:dur="2000" advTm="21843"/>
+  <mc:AlternateContent xmlns:mc="http://schemas.openxmlformats.org/markup-compatibility/2006" xmlns:p14="http://schemas.microsoft.com/office/powerpoint/2010/main">
+    <mc:Choice Requires="p14">
+      <p:transition spd="slow" p14:dur="2000" advTm="21712"/>
     </mc:Choice>
-    <mc:Fallback>
-      <p:transition spd="slow" advTm="21843"/>
+    <mc:Fallback xmlns="">
+      <p:transition spd="slow" advTm="21712"/>
     </mc:Fallback>
   </mc:AlternateContent>
   <p:timing>
@@ -16716,933 +16747,6 @@
             <a:pPr algn="ctr"/>
             <a:r>
               <a:rPr lang="en-US"/>
-              <a:t>Next: Contd…</a:t>
-            </a:r>
-            <a:endParaRPr lang="en-AU"/>
-          </a:p>
-        </p:txBody>
-      </p:sp>
-      <p:sp>
-        <p:nvSpPr>
-          <p:cNvPr id="2" name="TextBox 1">
-            <a:extLst>
-              <a:ext uri="{FF2B5EF4-FFF2-40B4-BE49-F238E27FC236}">
-                <a16:creationId xmlns:a16="http://schemas.microsoft.com/office/drawing/2014/main" id="{8FC13F5C-A271-4DE9-AFDD-1B0DB0BD6700}"/>
-              </a:ext>
-            </a:extLst>
-          </p:cNvPr>
-          <p:cNvSpPr txBox="1"/>
-          <p:nvPr/>
-        </p:nvSpPr>
-        <p:spPr>
-          <a:xfrm>
-            <a:off x="1031421" y="1274919"/>
-            <a:ext cx="8945336" cy="2023631"/>
-          </a:xfrm>
-          <a:prstGeom prst="rect">
-            <a:avLst/>
-          </a:prstGeom>
-          <a:noFill/>
-          <a:ln w="3175">
-            <a:solidFill>
-              <a:schemeClr val="tx1"/>
-            </a:solidFill>
-          </a:ln>
-        </p:spPr>
-        <p:txBody>
-          <a:bodyPr wrap="square" rtlCol="0">
-            <a:spAutoFit/>
-          </a:bodyPr>
-          <a:lstStyle/>
-          <a:p>
-            <a:pPr marL="171450" indent="-171450" algn="l">
-              <a:buFont typeface="Arial" panose="020B0604020202020204" pitchFamily="34" charset="0"/>
-              <a:buChar char="•"/>
-            </a:pPr>
-            <a:r>
-              <a:rPr lang="en-US" sz="1050">
-                <a:latin typeface="Calibri" panose="020F0502020204030204" pitchFamily="34" charset="0"/>
-                <a:cs typeface="Calibri" panose="020F0502020204030204" pitchFamily="34" charset="0"/>
-              </a:rPr>
-              <a:t>The DAP-GSKY service adapts the code for WCS Coverage.</a:t>
-            </a:r>
-          </a:p>
-          <a:p>
-            <a:pPr marL="628650" lvl="1" indent="-171450">
-              <a:buFont typeface="Arial" panose="020B0604020202020204" pitchFamily="34" charset="0"/>
-              <a:buChar char="•"/>
-            </a:pPr>
-            <a:r>
-              <a:rPr lang="en-US" sz="1050">
-                <a:latin typeface="Calibri" panose="020F0502020204030204" pitchFamily="34" charset="0"/>
-                <a:cs typeface="Calibri" panose="020F0502020204030204" pitchFamily="34" charset="0"/>
-              </a:rPr>
-              <a:t>A call like below is processed and the output is saved in NetCDF format.</a:t>
-            </a:r>
-          </a:p>
-          <a:p>
-            <a:pPr marL="1085850" lvl="2" indent="-171450">
-              <a:buFont typeface="Arial" panose="020B0604020202020204" pitchFamily="34" charset="0"/>
-              <a:buChar char="•"/>
-            </a:pPr>
-            <a:r>
-              <a:rPr lang="en-US" sz="900" b="1">
-                <a:latin typeface="Calibri" panose="020F0502020204030204" pitchFamily="34" charset="0"/>
-                <a:cs typeface="Calibri" panose="020F0502020204030204" pitchFamily="34" charset="0"/>
-              </a:rPr>
-              <a:t>e.g. </a:t>
-            </a:r>
-          </a:p>
-          <a:p>
-            <a:pPr marL="1543050" lvl="3" indent="-171450">
-              <a:buFont typeface="Arial" panose="020B0604020202020204" pitchFamily="34" charset="0"/>
-              <a:buChar char="•"/>
-            </a:pPr>
-            <a:r>
-              <a:rPr lang="en-US" sz="800">
-                <a:latin typeface="Calibri" panose="020F0502020204030204" pitchFamily="34" charset="0"/>
-                <a:cs typeface="Calibri" panose="020F0502020204030204" pitchFamily="34" charset="0"/>
-              </a:rPr>
-              <a:t>h</a:t>
-            </a:r>
-            <a:r>
-              <a:rPr lang="en-AU" sz="800">
-                <a:latin typeface="Calibri" panose="020F0502020204030204" pitchFamily="34" charset="0"/>
-                <a:cs typeface="Calibri" panose="020F0502020204030204" pitchFamily="34" charset="0"/>
-              </a:rPr>
-              <a:t>ttp://localhost:8080/ows/geoglam?service=WCS&amp;request=GetCoverage&amp;version=1.0.0&amp;format=GeoTIFF&amp;crs=EPSG:4326&amp;width=1024&amp; height=782&amp;coverage=global:c6%3Amonthly_anom_frac_cover&amp;bbox=lon1,lat1,lon2,lat2&amp;time=2018-10-01T00:00:00.000Z</a:t>
-            </a:r>
-          </a:p>
-          <a:p>
-            <a:pPr marL="628650" lvl="1" indent="-171450">
-              <a:buFont typeface="Arial" panose="020B0604020202020204" pitchFamily="34" charset="0"/>
-              <a:buChar char="•"/>
-            </a:pPr>
-            <a:r>
-              <a:rPr lang="en-AU" sz="1050">
-                <a:latin typeface="Calibri" panose="020F0502020204030204" pitchFamily="34" charset="0"/>
-                <a:cs typeface="Calibri" panose="020F0502020204030204" pitchFamily="34" charset="0"/>
-              </a:rPr>
-              <a:t>`gdalinfo aggregate_netcdf.nc`</a:t>
-            </a:r>
-          </a:p>
-          <a:p>
-            <a:pPr marL="1085850" lvl="2" indent="-171450">
-              <a:buFont typeface="Arial" panose="020B0604020202020204" pitchFamily="34" charset="0"/>
-              <a:buChar char="•"/>
-            </a:pPr>
-            <a:r>
-              <a:rPr lang="en-US" sz="900">
-                <a:latin typeface="Calibri" panose="020F0502020204030204" pitchFamily="34" charset="0"/>
-                <a:cs typeface="Calibri" panose="020F0502020204030204" pitchFamily="34" charset="0"/>
-              </a:rPr>
-              <a:t>Driver: netCDF/Network Common Data Format</a:t>
-            </a:r>
-          </a:p>
-          <a:p>
-            <a:pPr marL="1085850" lvl="2" indent="-171450">
-              <a:buFont typeface="Arial" panose="020B0604020202020204" pitchFamily="34" charset="0"/>
-              <a:buChar char="•"/>
-            </a:pPr>
-            <a:r>
-              <a:rPr lang="en-US" sz="900">
-                <a:latin typeface="Calibri" panose="020F0502020204030204" pitchFamily="34" charset="0"/>
-                <a:cs typeface="Calibri" panose="020F0502020204030204" pitchFamily="34" charset="0"/>
-              </a:rPr>
-              <a:t>This can be opened in both QGIS and Panoply.</a:t>
-            </a:r>
-          </a:p>
-          <a:p>
-            <a:pPr marL="1085850" lvl="2" indent="-171450">
-              <a:buFont typeface="Arial" panose="020B0604020202020204" pitchFamily="34" charset="0"/>
-              <a:buChar char="•"/>
-            </a:pPr>
-            <a:endParaRPr lang="en-AU" sz="1050">
-              <a:latin typeface="Calibri" panose="020F0502020204030204" pitchFamily="34" charset="0"/>
-              <a:cs typeface="Calibri" panose="020F0502020204030204" pitchFamily="34" charset="0"/>
-            </a:endParaRPr>
-          </a:p>
-          <a:p>
-            <a:pPr marL="171450" indent="-171450">
-              <a:buFont typeface="Arial" panose="020B0604020202020204" pitchFamily="34" charset="0"/>
-              <a:buChar char="•"/>
-            </a:pPr>
-            <a:r>
-              <a:rPr lang="en-US" sz="1050">
-                <a:latin typeface="Calibri" panose="020F0502020204030204" pitchFamily="34" charset="0"/>
-                <a:cs typeface="Calibri" panose="020F0502020204030204" pitchFamily="34" charset="0"/>
-              </a:rPr>
-              <a:t>The output file can also be saved and used as *.tiff, in which case the driver is different.</a:t>
-            </a:r>
-          </a:p>
-          <a:p>
-            <a:pPr marL="628650" lvl="1" indent="-171450">
-              <a:buFont typeface="Arial" panose="020B0604020202020204" pitchFamily="34" charset="0"/>
-              <a:buChar char="•"/>
-            </a:pPr>
-            <a:r>
-              <a:rPr lang="en-AU" sz="1050">
-                <a:latin typeface="Calibri" panose="020F0502020204030204" pitchFamily="34" charset="0"/>
-                <a:cs typeface="Calibri" panose="020F0502020204030204" pitchFamily="34" charset="0"/>
-              </a:rPr>
-              <a:t>`gdalinfo aggregate_netcdf.tiff`</a:t>
-            </a:r>
-          </a:p>
-          <a:p>
-            <a:pPr marL="1085850" lvl="2" indent="-171450">
-              <a:buFont typeface="Arial" panose="020B0604020202020204" pitchFamily="34" charset="0"/>
-              <a:buChar char="•"/>
-            </a:pPr>
-            <a:r>
-              <a:rPr lang="en-AU" sz="800">
-                <a:latin typeface="Calibri" panose="020F0502020204030204" pitchFamily="34" charset="0"/>
-                <a:cs typeface="Calibri" panose="020F0502020204030204" pitchFamily="34" charset="0"/>
-              </a:rPr>
-              <a:t>Driver: HDF5Image/HDF5 Dataset</a:t>
-            </a:r>
-          </a:p>
-          <a:p>
-            <a:pPr marL="1085850" lvl="2" indent="-171450">
-              <a:buFont typeface="Arial" panose="020B0604020202020204" pitchFamily="34" charset="0"/>
-              <a:buChar char="•"/>
-            </a:pPr>
-            <a:r>
-              <a:rPr lang="en-US" sz="800">
-                <a:latin typeface="Calibri" panose="020F0502020204030204" pitchFamily="34" charset="0"/>
-                <a:cs typeface="Calibri" panose="020F0502020204030204" pitchFamily="34" charset="0"/>
-              </a:rPr>
-              <a:t>T</a:t>
-            </a:r>
-            <a:r>
-              <a:rPr lang="en-AU" sz="800">
-                <a:latin typeface="Calibri" panose="020F0502020204030204" pitchFamily="34" charset="0"/>
-                <a:cs typeface="Calibri" panose="020F0502020204030204" pitchFamily="34" charset="0"/>
-              </a:rPr>
-              <a:t>his can be opened in QGIS but not in Panoply.</a:t>
-            </a:r>
-          </a:p>
-        </p:txBody>
-      </p:sp>
-      <p:sp>
-        <p:nvSpPr>
-          <p:cNvPr id="3" name="TextBox 2">
-            <a:extLst>
-              <a:ext uri="{FF2B5EF4-FFF2-40B4-BE49-F238E27FC236}">
-                <a16:creationId xmlns:a16="http://schemas.microsoft.com/office/drawing/2014/main" id="{250AD55B-59D1-450F-8AC4-AB67C11E3F9B}"/>
-              </a:ext>
-            </a:extLst>
-          </p:cNvPr>
-          <p:cNvSpPr txBox="1"/>
-          <p:nvPr/>
-        </p:nvSpPr>
-        <p:spPr>
-          <a:xfrm>
-            <a:off x="1031421" y="3339194"/>
-            <a:ext cx="8945336" cy="2131353"/>
-          </a:xfrm>
-          <a:prstGeom prst="rect">
-            <a:avLst/>
-          </a:prstGeom>
-          <a:noFill/>
-          <a:ln w="3175">
-            <a:solidFill>
-              <a:schemeClr val="tx1"/>
-            </a:solidFill>
-          </a:ln>
-        </p:spPr>
-        <p:txBody>
-          <a:bodyPr wrap="square" rtlCol="0">
-            <a:spAutoFit/>
-          </a:bodyPr>
-          <a:lstStyle/>
-          <a:p>
-            <a:pPr marL="171450" indent="-171450">
-              <a:buFont typeface="Arial" panose="020B0604020202020204" pitchFamily="34" charset="0"/>
-              <a:buChar char="•"/>
-            </a:pPr>
-            <a:r>
-              <a:rPr lang="en-US" sz="1050">
-                <a:latin typeface="Calibri" panose="020F0502020204030204" pitchFamily="34" charset="0"/>
-                <a:cs typeface="Calibri" panose="020F0502020204030204" pitchFamily="34" charset="0"/>
-              </a:rPr>
-              <a:t>Code changes in</a:t>
-            </a:r>
-            <a:r>
-              <a:rPr lang="en-US" sz="1050" b="1">
-                <a:latin typeface="Calibri" panose="020F0502020204030204" pitchFamily="34" charset="0"/>
-                <a:cs typeface="Calibri" panose="020F0502020204030204" pitchFamily="34" charset="0"/>
-              </a:rPr>
-              <a:t> </a:t>
-            </a:r>
-            <a:r>
-              <a:rPr lang="en-US" sz="1050" b="1">
-                <a:solidFill>
-                  <a:srgbClr val="00B0F0"/>
-                </a:solidFill>
-                <a:latin typeface="Calibri" panose="020F0502020204030204" pitchFamily="34" charset="0"/>
-                <a:cs typeface="Calibri" panose="020F0502020204030204" pitchFamily="34" charset="0"/>
-              </a:rPr>
-              <a:t>/local/gsky/gopath/src/github.com/nci/gsky/ows.go</a:t>
-            </a:r>
-            <a:r>
-              <a:rPr lang="en-US" sz="1050" b="1">
-                <a:latin typeface="Calibri" panose="020F0502020204030204" pitchFamily="34" charset="0"/>
-                <a:cs typeface="Calibri" panose="020F0502020204030204" pitchFamily="34" charset="0"/>
-              </a:rPr>
-              <a:t>:</a:t>
-            </a:r>
-          </a:p>
-          <a:p>
-            <a:pPr marL="628650" lvl="1" indent="-171450">
-              <a:buFont typeface="Arial" panose="020B0604020202020204" pitchFamily="34" charset="0"/>
-              <a:buChar char="•"/>
-            </a:pPr>
-            <a:r>
-              <a:rPr lang="en-US" sz="1050" b="1">
-                <a:solidFill>
-                  <a:srgbClr val="00B0F0"/>
-                </a:solidFill>
-                <a:latin typeface="Calibri" panose="020F0502020204030204" pitchFamily="34" charset="0"/>
-                <a:cs typeface="Calibri" panose="020F0502020204030204" pitchFamily="34" charset="0"/>
-              </a:rPr>
-              <a:t>Global</a:t>
-            </a:r>
-            <a:r>
-              <a:rPr lang="en-US" sz="1050" b="1">
-                <a:latin typeface="Calibri" panose="020F0502020204030204" pitchFamily="34" charset="0"/>
-                <a:cs typeface="Calibri" panose="020F0502020204030204" pitchFamily="34" charset="0"/>
-              </a:rPr>
-              <a:t>:</a:t>
-            </a:r>
-          </a:p>
-          <a:p>
-            <a:pPr marL="1085850" lvl="2" indent="-171450">
-              <a:buFont typeface="Arial" panose="020B0604020202020204" pitchFamily="34" charset="0"/>
-              <a:buChar char="•"/>
-            </a:pPr>
-            <a:r>
-              <a:rPr lang="en-US" sz="1050">
-                <a:latin typeface="Calibri" panose="020F0502020204030204" pitchFamily="34" charset="0"/>
-                <a:cs typeface="Calibri" panose="020F0502020204030204" pitchFamily="34" charset="0"/>
-              </a:rPr>
-              <a:t>58:	dap = flag.Bool("dap", true, "For DAP-GSKY Service.")</a:t>
-            </a:r>
-          </a:p>
-          <a:p>
-            <a:pPr marL="628650" lvl="1" indent="-171450">
-              <a:buFont typeface="Arial" panose="020B0604020202020204" pitchFamily="34" charset="0"/>
-              <a:buChar char="•"/>
-            </a:pPr>
-            <a:endParaRPr lang="en-US" sz="1050" b="1">
-              <a:latin typeface="Calibri" panose="020F0502020204030204" pitchFamily="34" charset="0"/>
-              <a:cs typeface="Calibri" panose="020F0502020204030204" pitchFamily="34" charset="0"/>
-            </a:endParaRPr>
-          </a:p>
-          <a:p>
-            <a:pPr marL="628650" lvl="1" indent="-171450">
-              <a:buFont typeface="Arial" panose="020B0604020202020204" pitchFamily="34" charset="0"/>
-              <a:buChar char="•"/>
-            </a:pPr>
-            <a:r>
-              <a:rPr lang="pt-BR" sz="1050">
-                <a:latin typeface="Calibri" panose="020F0502020204030204" pitchFamily="34" charset="0"/>
-                <a:cs typeface="Calibri" panose="020F0502020204030204" pitchFamily="34" charset="0"/>
-              </a:rPr>
-              <a:t>func </a:t>
-            </a:r>
-            <a:r>
-              <a:rPr lang="pt-BR" sz="1050" b="1">
-                <a:solidFill>
-                  <a:srgbClr val="00B0F0"/>
-                </a:solidFill>
-                <a:latin typeface="Calibri" panose="020F0502020204030204" pitchFamily="34" charset="0"/>
-                <a:cs typeface="Calibri" panose="020F0502020204030204" pitchFamily="34" charset="0"/>
-              </a:rPr>
-              <a:t>generalHandler</a:t>
-            </a:r>
-            <a:r>
-              <a:rPr lang="pt-BR" sz="1050">
-                <a:latin typeface="Calibri" panose="020F0502020204030204" pitchFamily="34" charset="0"/>
-                <a:cs typeface="Calibri" panose="020F0502020204030204" pitchFamily="34" charset="0"/>
-              </a:rPr>
-              <a:t>:</a:t>
-            </a:r>
-          </a:p>
-          <a:p>
-            <a:pPr marL="1085850" lvl="2" indent="-171450">
-              <a:buFont typeface="Arial" panose="020B0604020202020204" pitchFamily="34" charset="0"/>
-              <a:buChar char="•"/>
-            </a:pPr>
-            <a:r>
-              <a:rPr lang="pt-BR" sz="1000" b="1">
-                <a:latin typeface="Calibri" panose="020F0502020204030204" pitchFamily="34" charset="0"/>
-                <a:cs typeface="Calibri" panose="020F0502020204030204" pitchFamily="34" charset="0"/>
-              </a:rPr>
-              <a:t>	case "WCS":</a:t>
-            </a:r>
-          </a:p>
-          <a:p>
-            <a:pPr marL="1085850" lvl="2" indent="-171450">
-              <a:buFont typeface="Arial" panose="020B0604020202020204" pitchFamily="34" charset="0"/>
-              <a:buChar char="•"/>
-            </a:pPr>
-            <a:r>
-              <a:rPr lang="en-US" sz="1000">
-                <a:latin typeface="Calibri" panose="020F0502020204030204" pitchFamily="34" charset="0"/>
-                <a:cs typeface="Calibri" panose="020F0502020204030204" pitchFamily="34" charset="0"/>
-              </a:rPr>
-              <a:t>		if (*dap) {</a:t>
-            </a:r>
-          </a:p>
-          <a:p>
-            <a:pPr marL="1085850" lvl="2" indent="-171450">
-              <a:buFont typeface="Arial" panose="020B0604020202020204" pitchFamily="34" charset="0"/>
-              <a:buChar char="•"/>
-            </a:pPr>
-            <a:r>
-              <a:rPr lang="en-US" sz="1000">
-                <a:latin typeface="Calibri" panose="020F0502020204030204" pitchFamily="34" charset="0"/>
-                <a:cs typeface="Calibri" panose="020F0502020204030204" pitchFamily="34" charset="0"/>
-              </a:rPr>
-              <a:t>			query["format"][0] = "netcdf")</a:t>
-            </a:r>
-          </a:p>
-          <a:p>
-            <a:pPr marL="1085850" lvl="2" indent="-171450">
-              <a:buFont typeface="Arial" panose="020B0604020202020204" pitchFamily="34" charset="0"/>
-              <a:buChar char="•"/>
-            </a:pPr>
-            <a:r>
-              <a:rPr lang="en-US" sz="1000">
-                <a:latin typeface="Calibri" panose="020F0502020204030204" pitchFamily="34" charset="0"/>
-                <a:cs typeface="Calibri" panose="020F0502020204030204" pitchFamily="34" charset="0"/>
-              </a:rPr>
-              <a:t>		}</a:t>
-            </a:r>
-          </a:p>
-          <a:p>
-            <a:pPr marL="1085850" lvl="2" indent="-171450">
-              <a:buFont typeface="Arial" panose="020B0604020202020204" pitchFamily="34" charset="0"/>
-              <a:buChar char="•"/>
-            </a:pPr>
-            <a:endParaRPr lang="pt-BR" sz="1000" b="1">
-              <a:latin typeface="Calibri" panose="020F0502020204030204" pitchFamily="34" charset="0"/>
-              <a:cs typeface="Calibri" panose="020F0502020204030204" pitchFamily="34" charset="0"/>
-            </a:endParaRPr>
-          </a:p>
-          <a:p>
-            <a:pPr marL="628650" lvl="1" indent="-171450">
-              <a:buFont typeface="Arial" panose="020B0604020202020204" pitchFamily="34" charset="0"/>
-              <a:buChar char="•"/>
-            </a:pPr>
-            <a:r>
-              <a:rPr lang="pt-BR" sz="1050">
-                <a:latin typeface="Calibri" panose="020F0502020204030204" pitchFamily="34" charset="0"/>
-                <a:cs typeface="Calibri" panose="020F0502020204030204" pitchFamily="34" charset="0"/>
-              </a:rPr>
-              <a:t>func </a:t>
-            </a:r>
-            <a:r>
-              <a:rPr lang="pt-BR" sz="1050" b="1">
-                <a:solidFill>
-                  <a:srgbClr val="00B0F0"/>
-                </a:solidFill>
-                <a:latin typeface="Calibri" panose="020F0502020204030204" pitchFamily="34" charset="0"/>
-                <a:cs typeface="Calibri" panose="020F0502020204030204" pitchFamily="34" charset="0"/>
-              </a:rPr>
-              <a:t>serveWCS</a:t>
-            </a:r>
-            <a:r>
-              <a:rPr lang="pt-BR" sz="1050">
-                <a:latin typeface="Calibri" panose="020F0502020204030204" pitchFamily="34" charset="0"/>
-                <a:cs typeface="Calibri" panose="020F0502020204030204" pitchFamily="34" charset="0"/>
-              </a:rPr>
-              <a:t>:</a:t>
-            </a:r>
-          </a:p>
-          <a:p>
-            <a:pPr marL="1085850" lvl="2" indent="-171450">
-              <a:buFont typeface="Arial" panose="020B0604020202020204" pitchFamily="34" charset="0"/>
-              <a:buChar char="•"/>
-            </a:pPr>
-            <a:r>
-              <a:rPr lang="pt-BR" sz="1050">
-                <a:latin typeface="Calibri" panose="020F0502020204030204" pitchFamily="34" charset="0"/>
-                <a:cs typeface="Calibri" panose="020F0502020204030204" pitchFamily="34" charset="0"/>
-              </a:rPr>
-              <a:t>	case "</a:t>
-            </a:r>
-            <a:r>
-              <a:rPr lang="pt-BR" sz="1050" b="1">
-                <a:latin typeface="Calibri" panose="020F0502020204030204" pitchFamily="34" charset="0"/>
-                <a:cs typeface="Calibri" panose="020F0502020204030204" pitchFamily="34" charset="0"/>
-              </a:rPr>
-              <a:t>GetCoverage</a:t>
-            </a:r>
-            <a:r>
-              <a:rPr lang="pt-BR" sz="1050">
-                <a:latin typeface="Calibri" panose="020F0502020204030204" pitchFamily="34" charset="0"/>
-                <a:cs typeface="Calibri" panose="020F0502020204030204" pitchFamily="34" charset="0"/>
-              </a:rPr>
-              <a:t>":</a:t>
-            </a:r>
-          </a:p>
-          <a:p>
-            <a:pPr marL="1543050" lvl="3" indent="-171450">
-              <a:buFont typeface="Arial" panose="020B0604020202020204" pitchFamily="34" charset="0"/>
-              <a:buChar char="•"/>
-            </a:pPr>
-            <a:r>
-              <a:rPr lang="pt-BR" sz="800">
-                <a:latin typeface="Calibri" panose="020F0502020204030204" pitchFamily="34" charset="0"/>
-                <a:cs typeface="Calibri" panose="020F0502020204030204" pitchFamily="34" charset="0"/>
-              </a:rPr>
-              <a:t>1037:	 </a:t>
-            </a:r>
-            <a:r>
-              <a:rPr lang="pt-BR" sz="900">
-                <a:latin typeface="Calibri" panose="020F0502020204030204" pitchFamily="34" charset="0"/>
-                <a:cs typeface="Calibri" panose="020F0502020204030204" pitchFamily="34" charset="0"/>
-              </a:rPr>
-              <a:t>Save_aggregate_netcdf (masterTempFile) </a:t>
-            </a:r>
-          </a:p>
-        </p:txBody>
-      </p:sp>
-    </p:spTree>
-    <p:custDataLst>
-      <p:tags r:id="rId1"/>
-    </p:custDataLst>
-    <p:extLst>
-      <p:ext uri="{BB962C8B-B14F-4D97-AF65-F5344CB8AC3E}">
-        <p14:creationId xmlns:p14="http://schemas.microsoft.com/office/powerpoint/2010/main" val="3685091895"/>
-      </p:ext>
-    </p:extLst>
-  </p:cSld>
-  <p:clrMapOvr>
-    <a:masterClrMapping/>
-  </p:clrMapOvr>
-  <mc:AlternateContent xmlns:mc="http://schemas.openxmlformats.org/markup-compatibility/2006">
-    <mc:Choice xmlns:p14="http://schemas.microsoft.com/office/powerpoint/2010/main" Requires="p14">
-      <p:transition spd="slow" p14:dur="2000" advTm="21712"/>
-    </mc:Choice>
-    <mc:Fallback>
-      <p:transition spd="slow" advTm="21712"/>
-    </mc:Fallback>
-  </mc:AlternateContent>
-  <p:timing>
-    <p:tnLst>
-      <p:par>
-        <p:cTn id="1" dur="indefinite" restart="never" nodeType="tmRoot">
-          <p:childTnLst>
-            <p:seq concurrent="1" nextAc="seek">
-              <p:cTn id="2" dur="indefinite" nodeType="mainSeq">
-                <p:childTnLst>
-                  <p:par>
-                    <p:cTn id="3" fill="hold">
-                      <p:stCondLst>
-                        <p:cond delay="indefinite"/>
-                      </p:stCondLst>
-                      <p:childTnLst>
-                        <p:par>
-                          <p:cTn id="4" fill="hold">
-                            <p:stCondLst>
-                              <p:cond delay="0"/>
-                            </p:stCondLst>
-                            <p:childTnLst>
-                              <p:par>
-                                <p:cTn id="5" presetID="10" presetClass="entr" presetSubtype="0" fill="hold" grpId="0" nodeType="clickEffect">
-                                  <p:stCondLst>
-                                    <p:cond delay="0"/>
-                                  </p:stCondLst>
-                                  <p:childTnLst>
-                                    <p:set>
-                                      <p:cBhvr>
-                                        <p:cTn id="6" dur="1" fill="hold">
-                                          <p:stCondLst>
-                                            <p:cond delay="0"/>
-                                          </p:stCondLst>
-                                        </p:cTn>
-                                        <p:tgtEl>
-                                          <p:spTgt spid="2"/>
-                                        </p:tgtEl>
-                                        <p:attrNameLst>
-                                          <p:attrName>style.visibility</p:attrName>
-                                        </p:attrNameLst>
-                                      </p:cBhvr>
-                                      <p:to>
-                                        <p:strVal val="visible"/>
-                                      </p:to>
-                                    </p:set>
-                                    <p:animEffect transition="in" filter="fade">
-                                      <p:cBhvr>
-                                        <p:cTn id="7" dur="500"/>
-                                        <p:tgtEl>
-                                          <p:spTgt spid="2"/>
-                                        </p:tgtEl>
-                                      </p:cBhvr>
-                                    </p:animEffect>
-                                  </p:childTnLst>
-                                </p:cTn>
-                              </p:par>
-                            </p:childTnLst>
-                          </p:cTn>
-                        </p:par>
-                      </p:childTnLst>
-                    </p:cTn>
-                  </p:par>
-                  <p:par>
-                    <p:cTn id="8" fill="hold">
-                      <p:stCondLst>
-                        <p:cond delay="indefinite"/>
-                      </p:stCondLst>
-                      <p:childTnLst>
-                        <p:par>
-                          <p:cTn id="9" fill="hold">
-                            <p:stCondLst>
-                              <p:cond delay="0"/>
-                            </p:stCondLst>
-                            <p:childTnLst>
-                              <p:par>
-                                <p:cTn id="10" presetID="10" presetClass="entr" presetSubtype="0" fill="hold" grpId="0" nodeType="clickEffect">
-                                  <p:stCondLst>
-                                    <p:cond delay="0"/>
-                                  </p:stCondLst>
-                                  <p:childTnLst>
-                                    <p:set>
-                                      <p:cBhvr>
-                                        <p:cTn id="11" dur="1" fill="hold">
-                                          <p:stCondLst>
-                                            <p:cond delay="0"/>
-                                          </p:stCondLst>
-                                        </p:cTn>
-                                        <p:tgtEl>
-                                          <p:spTgt spid="3"/>
-                                        </p:tgtEl>
-                                        <p:attrNameLst>
-                                          <p:attrName>style.visibility</p:attrName>
-                                        </p:attrNameLst>
-                                      </p:cBhvr>
-                                      <p:to>
-                                        <p:strVal val="visible"/>
-                                      </p:to>
-                                    </p:set>
-                                    <p:animEffect transition="in" filter="fade">
-                                      <p:cBhvr>
-                                        <p:cTn id="12" dur="500"/>
-                                        <p:tgtEl>
-                                          <p:spTgt spid="3"/>
-                                        </p:tgtEl>
-                                      </p:cBhvr>
-                                    </p:animEffect>
-                                  </p:childTnLst>
-                                </p:cTn>
-                              </p:par>
-                            </p:childTnLst>
-                          </p:cTn>
-                        </p:par>
-                      </p:childTnLst>
-                    </p:cTn>
-                  </p:par>
-                  <p:par>
-                    <p:cTn id="13" fill="hold">
-                      <p:stCondLst>
-                        <p:cond delay="indefinite"/>
-                      </p:stCondLst>
-                      <p:childTnLst>
-                        <p:par>
-                          <p:cTn id="14" fill="hold">
-                            <p:stCondLst>
-                              <p:cond delay="0"/>
-                            </p:stCondLst>
-                            <p:childTnLst>
-                              <p:par>
-                                <p:cTn id="15" presetID="14" presetClass="entr" presetSubtype="10" fill="hold" grpId="0" nodeType="clickEffect">
-                                  <p:stCondLst>
-                                    <p:cond delay="0"/>
-                                  </p:stCondLst>
-                                  <p:childTnLst>
-                                    <p:set>
-                                      <p:cBhvr>
-                                        <p:cTn id="16" dur="1" fill="hold">
-                                          <p:stCondLst>
-                                            <p:cond delay="0"/>
-                                          </p:stCondLst>
-                                        </p:cTn>
-                                        <p:tgtEl>
-                                          <p:spTgt spid="30"/>
-                                        </p:tgtEl>
-                                        <p:attrNameLst>
-                                          <p:attrName>style.visibility</p:attrName>
-                                        </p:attrNameLst>
-                                      </p:cBhvr>
-                                      <p:to>
-                                        <p:strVal val="visible"/>
-                                      </p:to>
-                                    </p:set>
-                                    <p:animEffect transition="in" filter="randombar(horizontal)">
-                                      <p:cBhvr>
-                                        <p:cTn id="17" dur="500"/>
-                                        <p:tgtEl>
-                                          <p:spTgt spid="30"/>
-                                        </p:tgtEl>
-                                      </p:cBhvr>
-                                    </p:animEffect>
-                                  </p:childTnLst>
-                                </p:cTn>
-                              </p:par>
-                            </p:childTnLst>
-                          </p:cTn>
-                        </p:par>
-                      </p:childTnLst>
-                    </p:cTn>
-                  </p:par>
-                </p:childTnLst>
-              </p:cTn>
-              <p:prevCondLst>
-                <p:cond evt="onPrev" delay="0">
-                  <p:tgtEl>
-                    <p:sldTgt/>
-                  </p:tgtEl>
-                </p:cond>
-              </p:prevCondLst>
-              <p:nextCondLst>
-                <p:cond evt="onNext" delay="0">
-                  <p:tgtEl>
-                    <p:sldTgt/>
-                  </p:tgtEl>
-                </p:cond>
-              </p:nextCondLst>
-            </p:seq>
-          </p:childTnLst>
-        </p:cTn>
-      </p:par>
-    </p:tnLst>
-    <p:bldLst>
-      <p:bldP spid="30" grpId="0" animBg="1"/>
-      <p:bldP spid="2" grpId="0" animBg="1"/>
-      <p:bldP spid="3" grpId="0" animBg="1"/>
-    </p:bldLst>
-  </p:timing>
-</p:sld>
-</file>
-
-<file path=ppt/slides/slide14.xml><?xml version="1.0" encoding="utf-8"?>
-<p:sld xmlns:a="http://schemas.openxmlformats.org/drawingml/2006/main" xmlns:r="http://schemas.openxmlformats.org/officeDocument/2006/relationships" xmlns:p="http://schemas.openxmlformats.org/presentationml/2006/main">
-  <p:cSld>
-    <p:spTree>
-      <p:nvGrpSpPr>
-        <p:cNvPr id="1" name=""/>
-        <p:cNvGrpSpPr/>
-        <p:nvPr/>
-      </p:nvGrpSpPr>
-      <p:grpSpPr>
-        <a:xfrm>
-          <a:off x="0" y="0"/>
-          <a:ext cx="0" cy="0"/>
-          <a:chOff x="0" y="0"/>
-          <a:chExt cx="0" cy="0"/>
-        </a:xfrm>
-      </p:grpSpPr>
-      <p:sp>
-        <p:nvSpPr>
-          <p:cNvPr id="4" name="Slide Number Placeholder 3">
-            <a:extLst>
-              <a:ext uri="{FF2B5EF4-FFF2-40B4-BE49-F238E27FC236}">
-                <a16:creationId xmlns:a16="http://schemas.microsoft.com/office/drawing/2014/main" id="{8B89F407-E38F-48B5-A82B-5A5754E687B4}"/>
-              </a:ext>
-            </a:extLst>
-          </p:cNvPr>
-          <p:cNvSpPr>
-            <a:spLocks noGrp="1"/>
-          </p:cNvSpPr>
-          <p:nvPr>
-            <p:ph type="sldNum" sz="quarter" idx="12"/>
-          </p:nvPr>
-        </p:nvSpPr>
-        <p:spPr/>
-        <p:txBody>
-          <a:bodyPr/>
-          <a:lstStyle/>
-          <a:p>
-            <a:fld id="{6D22F896-40B5-4ADD-8801-0D06FADFA095}" type="slidenum">
-              <a:rPr lang="en-US" smtClean="0"/>
-              <a:t>14</a:t>
-            </a:fld>
-            <a:endParaRPr lang="en-US" dirty="0"/>
-          </a:p>
-        </p:txBody>
-      </p:sp>
-      <p:sp>
-        <p:nvSpPr>
-          <p:cNvPr id="5" name="TextBox 4">
-            <a:extLst>
-              <a:ext uri="{FF2B5EF4-FFF2-40B4-BE49-F238E27FC236}">
-                <a16:creationId xmlns:a16="http://schemas.microsoft.com/office/drawing/2014/main" id="{D1AD77F4-523A-40E2-9D88-50C6C1ACC7E4}"/>
-              </a:ext>
-            </a:extLst>
-          </p:cNvPr>
-          <p:cNvSpPr txBox="1"/>
-          <p:nvPr/>
-        </p:nvSpPr>
-        <p:spPr>
-          <a:xfrm>
-            <a:off x="1031421" y="987878"/>
-            <a:ext cx="4675415" cy="246221"/>
-          </a:xfrm>
-          <a:prstGeom prst="rect">
-            <a:avLst/>
-          </a:prstGeom>
-          <a:noFill/>
-          <a:ln w="3175">
-            <a:solidFill>
-              <a:schemeClr val="tx1"/>
-            </a:solidFill>
-          </a:ln>
-        </p:spPr>
-        <p:txBody>
-          <a:bodyPr wrap="square" rtlCol="0">
-            <a:spAutoFit/>
-          </a:bodyPr>
-          <a:lstStyle/>
-          <a:p>
-            <a:r>
-              <a:rPr lang="en-US" sz="1000" b="1">
-                <a:solidFill>
-                  <a:srgbClr val="C00000"/>
-                </a:solidFill>
-                <a:latin typeface="Calibri" panose="020F0502020204030204" pitchFamily="34" charset="0"/>
-                <a:cs typeface="Calibri" panose="020F0502020204030204" pitchFamily="34" charset="0"/>
-              </a:rPr>
-              <a:t>This section is the information for programmers!</a:t>
-            </a:r>
-            <a:endParaRPr lang="en-AU" sz="1000" b="1">
-              <a:solidFill>
-                <a:srgbClr val="C00000"/>
-              </a:solidFill>
-              <a:latin typeface="Calibri" panose="020F0502020204030204" pitchFamily="34" charset="0"/>
-              <a:cs typeface="Calibri" panose="020F0502020204030204" pitchFamily="34" charset="0"/>
-            </a:endParaRPr>
-          </a:p>
-        </p:txBody>
-      </p:sp>
-      <p:sp>
-        <p:nvSpPr>
-          <p:cNvPr id="14" name="TextBox 13">
-            <a:extLst>
-              <a:ext uri="{FF2B5EF4-FFF2-40B4-BE49-F238E27FC236}">
-                <a16:creationId xmlns:a16="http://schemas.microsoft.com/office/drawing/2014/main" id="{1447C5BB-E649-4AEC-9199-D77DEC660B99}"/>
-              </a:ext>
-            </a:extLst>
-          </p:cNvPr>
-          <p:cNvSpPr txBox="1"/>
-          <p:nvPr/>
-        </p:nvSpPr>
-        <p:spPr>
-          <a:xfrm>
-            <a:off x="2278532" y="146819"/>
-            <a:ext cx="7943983" cy="646331"/>
-          </a:xfrm>
-          <a:prstGeom prst="rect">
-            <a:avLst/>
-          </a:prstGeom>
-          <a:noFill/>
-        </p:spPr>
-        <p:txBody>
-          <a:bodyPr wrap="square" rtlCol="0">
-            <a:spAutoFit/>
-          </a:bodyPr>
-          <a:lstStyle/>
-          <a:p>
-            <a:pPr algn="ctr"/>
-            <a:r>
-              <a:rPr lang="en-US" sz="3600" b="1">
-                <a:ln w="0"/>
-                <a:solidFill>
-                  <a:schemeClr val="accent4">
-                    <a:lumMod val="60000"/>
-                    <a:lumOff val="40000"/>
-                  </a:schemeClr>
-                </a:solidFill>
-                <a:effectLst>
-                  <a:reflection blurRad="6350" stA="53000" endA="300" endPos="35500" dir="5400000" sy="-90000" algn="bl" rotWithShape="0"/>
-                </a:effectLst>
-                <a:latin typeface="Calibri" panose="020F0502020204030204" pitchFamily="34" charset="0"/>
-                <a:cs typeface="Calibri" panose="020F0502020204030204" pitchFamily="34" charset="0"/>
-              </a:rPr>
-              <a:t>Technical and Code Change</a:t>
-            </a:r>
-          </a:p>
-        </p:txBody>
-      </p:sp>
-      <p:sp>
-        <p:nvSpPr>
-          <p:cNvPr id="30" name="Rectangle: Rounded Corners 29">
-            <a:extLst>
-              <a:ext uri="{FF2B5EF4-FFF2-40B4-BE49-F238E27FC236}">
-                <a16:creationId xmlns:a16="http://schemas.microsoft.com/office/drawing/2014/main" id="{16FDE2CF-2ABD-4C34-A8F0-BE659CC85547}"/>
-              </a:ext>
-            </a:extLst>
-          </p:cNvPr>
-          <p:cNvSpPr/>
-          <p:nvPr/>
-        </p:nvSpPr>
-        <p:spPr>
-          <a:xfrm>
-            <a:off x="318407" y="5731329"/>
-            <a:ext cx="3126922" cy="365125"/>
-          </a:xfrm>
-          <a:prstGeom prst="roundRect">
-            <a:avLst/>
-          </a:prstGeom>
-          <a:gradFill flip="none" rotWithShape="1">
-            <a:gsLst>
-              <a:gs pos="0">
-                <a:schemeClr val="accent1">
-                  <a:shade val="30000"/>
-                  <a:satMod val="115000"/>
-                </a:schemeClr>
-              </a:gs>
-              <a:gs pos="50000">
-                <a:schemeClr val="accent1">
-                  <a:shade val="67500"/>
-                  <a:satMod val="115000"/>
-                </a:schemeClr>
-              </a:gs>
-              <a:gs pos="100000">
-                <a:schemeClr val="accent1">
-                  <a:shade val="100000"/>
-                  <a:satMod val="115000"/>
-                </a:schemeClr>
-              </a:gs>
-            </a:gsLst>
-            <a:lin ang="5400000" scaled="1"/>
-            <a:tileRect/>
-          </a:gradFill>
-        </p:spPr>
-        <p:style>
-          <a:lnRef idx="2">
-            <a:schemeClr val="accent1">
-              <a:shade val="50000"/>
-            </a:schemeClr>
-          </a:lnRef>
-          <a:fillRef idx="1">
-            <a:schemeClr val="accent1"/>
-          </a:fillRef>
-          <a:effectRef idx="0">
-            <a:schemeClr val="accent1"/>
-          </a:effectRef>
-          <a:fontRef idx="minor">
-            <a:schemeClr val="lt1"/>
-          </a:fontRef>
-        </p:style>
-        <p:txBody>
-          <a:bodyPr rtlCol="0" anchor="ctr"/>
-          <a:lstStyle/>
-          <a:p>
-            <a:pPr algn="ctr"/>
-            <a:r>
-              <a:rPr lang="en-US"/>
               <a:t>End of Slides</a:t>
             </a:r>
             <a:endParaRPr lang="en-AU"/>
@@ -17863,11 +16967,11 @@
   <p:clrMapOvr>
     <a:masterClrMapping/>
   </p:clrMapOvr>
-  <mc:AlternateContent xmlns:mc="http://schemas.openxmlformats.org/markup-compatibility/2006">
-    <mc:Choice xmlns:p14="http://schemas.microsoft.com/office/powerpoint/2010/main" Requires="p14">
+  <mc:AlternateContent xmlns:mc="http://schemas.openxmlformats.org/markup-compatibility/2006" xmlns:p14="http://schemas.microsoft.com/office/powerpoint/2010/main">
+    <mc:Choice Requires="p14">
       <p:transition spd="slow" p14:dur="2000" advTm="11878"/>
     </mc:Choice>
-    <mc:Fallback>
+    <mc:Fallback xmlns="">
       <p:transition spd="slow" advTm="11878"/>
     </mc:Fallback>
   </mc:AlternateContent>
@@ -18014,7 +17118,7 @@
 </p:sld>
 </file>
 
-<file path=ppt/slides/slide15.xml><?xml version="1.0" encoding="utf-8"?>
+<file path=ppt/slides/slide14.xml><?xml version="1.0" encoding="utf-8"?>
 <p:sld xmlns:a="http://schemas.openxmlformats.org/drawingml/2006/main" xmlns:r="http://schemas.openxmlformats.org/officeDocument/2006/relationships" xmlns:p="http://schemas.openxmlformats.org/presentationml/2006/main">
   <p:cSld>
     <p:spTree>
@@ -18461,11 +17565,11 @@
   <p:clrMapOvr>
     <a:masterClrMapping/>
   </p:clrMapOvr>
-  <mc:AlternateContent xmlns:mc="http://schemas.openxmlformats.org/markup-compatibility/2006">
-    <mc:Choice xmlns:p14="http://schemas.microsoft.com/office/powerpoint/2010/main" Requires="p14">
+  <mc:AlternateContent xmlns:mc="http://schemas.openxmlformats.org/markup-compatibility/2006" xmlns:p14="http://schemas.microsoft.com/office/powerpoint/2010/main">
+    <mc:Choice Requires="p14">
       <p:transition spd="slow" p14:dur="2000" advTm="4973"/>
     </mc:Choice>
-    <mc:Fallback>
+    <mc:Fallback xmlns="">
       <p:transition spd="slow" advTm="4973"/>
     </mc:Fallback>
   </mc:AlternateContent>
@@ -18929,7 +18033,7 @@
           </a:lstStyle>
           <a:p>
             <a:r>
-              <a:rPr lang="en-US" sz="1600" cap="none">
+              <a:rPr lang="en-US" sz="1600" cap="none" dirty="0">
                 <a:latin typeface="Calibri" panose="020F0502020204030204" pitchFamily="34" charset="0"/>
                 <a:cs typeface="Calibri" panose="020F0502020204030204" pitchFamily="34" charset="0"/>
               </a:rPr>
@@ -18939,14 +18043,42 @@
           <a:p>
             <a:pPr lvl="1"/>
             <a:r>
-              <a:rPr lang="en-US" sz="1100" b="1" cap="none">
+              <a:rPr lang="en-US" sz="1100" b="1" cap="none" dirty="0">
                 <a:latin typeface="Calibri" panose="020F0502020204030204" pitchFamily="34" charset="0"/>
                 <a:cs typeface="Calibri" panose="020F0502020204030204" pitchFamily="34" charset="0"/>
               </a:rPr>
-              <a:t>There should be two sets of lat/lon to form a bounding box</a:t>
-            </a:r>
-            <a:r>
-              <a:rPr lang="en-US" sz="1400" cap="none">
+              <a:t>There should be two sets of </a:t>
+            </a:r>
+            <a:r>
+              <a:rPr lang="en-US" sz="1100" b="1" cap="none" dirty="0" err="1">
+                <a:latin typeface="Calibri" panose="020F0502020204030204" pitchFamily="34" charset="0"/>
+                <a:cs typeface="Calibri" panose="020F0502020204030204" pitchFamily="34" charset="0"/>
+              </a:rPr>
+              <a:t>lat</a:t>
+            </a:r>
+            <a:r>
+              <a:rPr lang="en-US" sz="1100" b="1" cap="none" dirty="0">
+                <a:latin typeface="Calibri" panose="020F0502020204030204" pitchFamily="34" charset="0"/>
+                <a:cs typeface="Calibri" panose="020F0502020204030204" pitchFamily="34" charset="0"/>
+              </a:rPr>
+              <a:t>/</a:t>
+            </a:r>
+            <a:r>
+              <a:rPr lang="en-US" sz="1100" b="1" cap="none" dirty="0" err="1">
+                <a:latin typeface="Calibri" panose="020F0502020204030204" pitchFamily="34" charset="0"/>
+                <a:cs typeface="Calibri" panose="020F0502020204030204" pitchFamily="34" charset="0"/>
+              </a:rPr>
+              <a:t>lon</a:t>
+            </a:r>
+            <a:r>
+              <a:rPr lang="en-US" sz="1100" b="1" cap="none" dirty="0">
+                <a:latin typeface="Calibri" panose="020F0502020204030204" pitchFamily="34" charset="0"/>
+                <a:cs typeface="Calibri" panose="020F0502020204030204" pitchFamily="34" charset="0"/>
+              </a:rPr>
+              <a:t> to form a bounding box</a:t>
+            </a:r>
+            <a:r>
+              <a:rPr lang="en-US" sz="1400" cap="none" dirty="0">
                 <a:latin typeface="Calibri" panose="020F0502020204030204" pitchFamily="34" charset="0"/>
                 <a:cs typeface="Calibri" panose="020F0502020204030204" pitchFamily="34" charset="0"/>
               </a:rPr>
@@ -18956,37 +18088,51 @@
           <a:p>
             <a:pPr lvl="2"/>
             <a:r>
-              <a:rPr lang="en-US" sz="1000" cap="none">
+              <a:rPr lang="en-US" sz="1000" cap="none" dirty="0">
                 <a:latin typeface="Calibri" panose="020F0502020204030204" pitchFamily="34" charset="0"/>
                 <a:cs typeface="Calibri" panose="020F0502020204030204" pitchFamily="34" charset="0"/>
               </a:rPr>
-              <a:t>Thredds server can send only a range (true?)</a:t>
+              <a:t>THREDDS server can send only a range (true?)</a:t>
             </a:r>
           </a:p>
           <a:p>
             <a:pPr lvl="1"/>
             <a:r>
-              <a:rPr lang="en-US" sz="1100" b="1" cap="none">
+              <a:rPr lang="en-US" sz="1100" b="1" cap="none" dirty="0">
                 <a:latin typeface="Calibri" panose="020F0502020204030204" pitchFamily="34" charset="0"/>
                 <a:cs typeface="Calibri" panose="020F0502020204030204" pitchFamily="34" charset="0"/>
               </a:rPr>
-              <a:t>The BBox must be converted into meters from degrees.</a:t>
-            </a:r>
-          </a:p>
-          <a:p>
-            <a:pPr lvl="2"/>
-            <a:r>
-              <a:rPr lang="en-US" sz="1000" cap="none">
+              <a:t>The </a:t>
+            </a:r>
+            <a:r>
+              <a:rPr lang="en-US" sz="1100" b="1" cap="none" dirty="0" err="1">
                 <a:latin typeface="Calibri" panose="020F0502020204030204" pitchFamily="34" charset="0"/>
                 <a:cs typeface="Calibri" panose="020F0502020204030204" pitchFamily="34" charset="0"/>
               </a:rPr>
-              <a:t>Already know the formula to convert lat/lon to meters. </a:t>
+              <a:t>BBox</a:t>
+            </a:r>
+            <a:r>
+              <a:rPr lang="en-US" sz="1100" b="1" cap="none" dirty="0">
+                <a:latin typeface="Calibri" panose="020F0502020204030204" pitchFamily="34" charset="0"/>
+                <a:cs typeface="Calibri" panose="020F0502020204030204" pitchFamily="34" charset="0"/>
+              </a:rPr>
+              <a:t> must be converted into meters from degrees.</a:t>
             </a:r>
           </a:p>
           <a:p>
             <a:pPr lvl="2"/>
             <a:r>
-              <a:rPr lang="en-US" sz="1000" cap="none">
+              <a:rPr lang="en-US" sz="1000" cap="none" dirty="0">
+                <a:latin typeface="Calibri" panose="020F0502020204030204" pitchFamily="34" charset="0"/>
+                <a:cs typeface="Calibri" panose="020F0502020204030204" pitchFamily="34" charset="0"/>
+              </a:rPr>
+              <a:t>Currently using a Python script. </a:t>
+            </a:r>
+          </a:p>
+          <a:p>
+            <a:pPr lvl="2"/>
+            <a:r>
+              <a:rPr lang="en-US" sz="1000" cap="none" dirty="0">
                 <a:latin typeface="Calibri" panose="020F0502020204030204" pitchFamily="34" charset="0"/>
                 <a:cs typeface="Calibri" panose="020F0502020204030204" pitchFamily="34" charset="0"/>
               </a:rPr>
@@ -18996,27 +18142,55 @@
           <a:p>
             <a:pPr lvl="1"/>
             <a:r>
-              <a:rPr lang="en-US" sz="1100" b="1" cap="none">
+              <a:rPr lang="en-US" sz="1100" b="1" cap="none" dirty="0">
                 <a:latin typeface="Calibri" panose="020F0502020204030204" pitchFamily="34" charset="0"/>
                 <a:cs typeface="Calibri" panose="020F0502020204030204" pitchFamily="34" charset="0"/>
               </a:rPr>
-              <a:t>Python and Panoply do not like the format of the URL sent by thredds.</a:t>
+              <a:t>Python and Panoply do not like the format of the URL sent by THREDDS.</a:t>
             </a:r>
           </a:p>
           <a:p>
             <a:pPr lvl="2"/>
             <a:r>
-              <a:rPr lang="en-US" sz="1000" cap="none">
+              <a:rPr lang="en-US" sz="1000" cap="none" dirty="0">
                 <a:latin typeface="Calibri" panose="020F0502020204030204" pitchFamily="34" charset="0"/>
                 <a:cs typeface="Calibri" panose="020F0502020204030204" pitchFamily="34" charset="0"/>
               </a:rPr>
-              <a:t>They do not accept the lat/lon values as sent by thredds.</a:t>
+              <a:t>They do not accept the </a:t>
+            </a:r>
+            <a:r>
+              <a:rPr lang="en-US" sz="1000" cap="none" dirty="0" err="1">
+                <a:latin typeface="Calibri" panose="020F0502020204030204" pitchFamily="34" charset="0"/>
+                <a:cs typeface="Calibri" panose="020F0502020204030204" pitchFamily="34" charset="0"/>
+              </a:rPr>
+              <a:t>lat</a:t>
+            </a:r>
+            <a:r>
+              <a:rPr lang="en-US" sz="1000" cap="none" dirty="0">
+                <a:latin typeface="Calibri" panose="020F0502020204030204" pitchFamily="34" charset="0"/>
+                <a:cs typeface="Calibri" panose="020F0502020204030204" pitchFamily="34" charset="0"/>
+              </a:rPr>
+              <a:t>/</a:t>
+            </a:r>
+            <a:r>
+              <a:rPr lang="en-US" sz="1000" cap="none" dirty="0" err="1">
+                <a:latin typeface="Calibri" panose="020F0502020204030204" pitchFamily="34" charset="0"/>
+                <a:cs typeface="Calibri" panose="020F0502020204030204" pitchFamily="34" charset="0"/>
+              </a:rPr>
+              <a:t>lon</a:t>
+            </a:r>
+            <a:r>
+              <a:rPr lang="en-US" sz="1000" cap="none" dirty="0">
+                <a:latin typeface="Calibri" panose="020F0502020204030204" pitchFamily="34" charset="0"/>
+                <a:cs typeface="Calibri" panose="020F0502020204030204" pitchFamily="34" charset="0"/>
+              </a:rPr>
+              <a:t> values as sent by THREDDS.</a:t>
             </a:r>
           </a:p>
           <a:p>
             <a:pPr lvl="2"/>
             <a:r>
-              <a:rPr lang="en-US" sz="1000" cap="none">
+              <a:rPr lang="en-US" sz="1000" cap="none" dirty="0">
                 <a:latin typeface="Calibri" panose="020F0502020204030204" pitchFamily="34" charset="0"/>
                 <a:cs typeface="Calibri" panose="020F0502020204030204" pitchFamily="34" charset="0"/>
               </a:rPr>
@@ -19026,7 +18200,7 @@
           <a:p>
             <a:pPr lvl="2"/>
             <a:r>
-              <a:rPr lang="en-US" sz="1000" cap="none">
+              <a:rPr lang="en-US" sz="1000" cap="none" dirty="0">
                 <a:latin typeface="Calibri" panose="020F0502020204030204" pitchFamily="34" charset="0"/>
                 <a:cs typeface="Calibri" panose="020F0502020204030204" pitchFamily="34" charset="0"/>
               </a:rPr>
@@ -19036,17 +18210,31 @@
           <a:p>
             <a:pPr lvl="1"/>
             <a:r>
-              <a:rPr lang="en-US" sz="1100" b="1" cap="none">
+              <a:rPr lang="en-US" sz="1100" b="1" cap="none" dirty="0">
                 <a:latin typeface="Calibri" panose="020F0502020204030204" pitchFamily="34" charset="0"/>
                 <a:cs typeface="Calibri" panose="020F0502020204030204" pitchFamily="34" charset="0"/>
               </a:rPr>
-              <a:t>Will there be a TerriaMap-like client for OPeNDAP ?</a:t>
+              <a:t>Will there be a TerriaMap-like client for </a:t>
+            </a:r>
+            <a:r>
+              <a:rPr lang="en-US" sz="1100" b="1" cap="none" dirty="0" err="1">
+                <a:latin typeface="Calibri" panose="020F0502020204030204" pitchFamily="34" charset="0"/>
+                <a:cs typeface="Calibri" panose="020F0502020204030204" pitchFamily="34" charset="0"/>
+              </a:rPr>
+              <a:t>OPeNDAP</a:t>
+            </a:r>
+            <a:r>
+              <a:rPr lang="en-US" sz="1100" b="1" cap="none" dirty="0">
+                <a:latin typeface="Calibri" panose="020F0502020204030204" pitchFamily="34" charset="0"/>
+                <a:cs typeface="Calibri" panose="020F0502020204030204" pitchFamily="34" charset="0"/>
+              </a:rPr>
+              <a:t> ?</a:t>
             </a:r>
           </a:p>
           <a:p>
             <a:pPr lvl="2"/>
             <a:r>
-              <a:rPr lang="en-US" sz="1000" cap="none">
+              <a:rPr lang="en-US" sz="1000" cap="none" dirty="0">
                 <a:latin typeface="Calibri" panose="020F0502020204030204" pitchFamily="34" charset="0"/>
                 <a:cs typeface="Calibri" panose="020F0502020204030204" pitchFamily="34" charset="0"/>
               </a:rPr>
@@ -19056,7 +18244,7 @@
           <a:p>
             <a:pPr lvl="2"/>
             <a:r>
-              <a:rPr lang="en-US" sz="1000" cap="none">
+              <a:rPr lang="en-US" sz="1000" cap="none" dirty="0">
                 <a:latin typeface="Calibri" panose="020F0502020204030204" pitchFamily="34" charset="0"/>
                 <a:cs typeface="Calibri" panose="020F0502020204030204" pitchFamily="34" charset="0"/>
               </a:rPr>
@@ -19066,13 +18254,13 @@
           <a:p>
             <a:pPr lvl="2"/>
             <a:r>
-              <a:rPr lang="en-US" sz="1000" cap="none">
+              <a:rPr lang="en-US" sz="1000" cap="none" dirty="0">
                 <a:latin typeface="Calibri" panose="020F0502020204030204" pitchFamily="34" charset="0"/>
                 <a:cs typeface="Calibri" panose="020F0502020204030204" pitchFamily="34" charset="0"/>
               </a:rPr>
               <a:t>Will Panoply or other such software be useful?</a:t>
             </a:r>
-            <a:endParaRPr lang="en-AU" sz="1000" cap="none">
+            <a:endParaRPr lang="en-AU" sz="1000" cap="none" dirty="0">
               <a:latin typeface="Calibri" panose="020F0502020204030204" pitchFamily="34" charset="0"/>
               <a:cs typeface="Calibri" panose="020F0502020204030204" pitchFamily="34" charset="0"/>
             </a:endParaRPr>
@@ -19215,11 +18403,11 @@
   <p:clrMapOvr>
     <a:masterClrMapping/>
   </p:clrMapOvr>
-  <mc:AlternateContent xmlns:mc="http://schemas.openxmlformats.org/markup-compatibility/2006">
-    <mc:Choice xmlns:p14="http://schemas.microsoft.com/office/powerpoint/2010/main" Requires="p14">
+  <mc:AlternateContent xmlns:mc="http://schemas.openxmlformats.org/markup-compatibility/2006" xmlns:p14="http://schemas.microsoft.com/office/powerpoint/2010/main">
+    <mc:Choice Requires="p14">
       <p:transition spd="slow" p14:dur="2000" advTm="22655"/>
     </mc:Choice>
-    <mc:Fallback>
+    <mc:Fallback xmlns="">
       <p:transition spd="slow" advTm="22655"/>
     </mc:Fallback>
   </mc:AlternateContent>
@@ -19959,11 +19147,11 @@
   <p:clrMapOvr>
     <a:masterClrMapping/>
   </p:clrMapOvr>
-  <mc:AlternateContent xmlns:mc="http://schemas.openxmlformats.org/markup-compatibility/2006">
-    <mc:Choice xmlns:p14="http://schemas.microsoft.com/office/powerpoint/2010/main" Requires="p14">
+  <mc:AlternateContent xmlns:mc="http://schemas.openxmlformats.org/markup-compatibility/2006" xmlns:p14="http://schemas.microsoft.com/office/powerpoint/2010/main">
+    <mc:Choice Requires="p14">
       <p:transition spd="slow" p14:dur="2000" advTm="23281"/>
     </mc:Choice>
-    <mc:Fallback>
+    <mc:Fallback xmlns="">
       <p:transition spd="slow" advTm="23281"/>
     </mc:Fallback>
   </mc:AlternateContent>
@@ -21109,11 +20297,11 @@
   <p:clrMapOvr>
     <a:masterClrMapping/>
   </p:clrMapOvr>
-  <mc:AlternateContent xmlns:mc="http://schemas.openxmlformats.org/markup-compatibility/2006">
-    <mc:Choice xmlns:p14="http://schemas.microsoft.com/office/powerpoint/2010/main" Requires="p14">
+  <mc:AlternateContent xmlns:mc="http://schemas.openxmlformats.org/markup-compatibility/2006" xmlns:p14="http://schemas.microsoft.com/office/powerpoint/2010/main">
+    <mc:Choice Requires="p14">
       <p:transition spd="slow" p14:dur="2000" advTm="55802"/>
     </mc:Choice>
-    <mc:Fallback>
+    <mc:Fallback xmlns="">
       <p:transition spd="slow" advTm="55802"/>
     </mc:Fallback>
   </mc:AlternateContent>
@@ -22942,11 +22130,11 @@
   <p:clrMapOvr>
     <a:masterClrMapping/>
   </p:clrMapOvr>
-  <mc:AlternateContent xmlns:mc="http://schemas.openxmlformats.org/markup-compatibility/2006">
-    <mc:Choice xmlns:p14="http://schemas.microsoft.com/office/powerpoint/2010/main" Requires="p14">
+  <mc:AlternateContent xmlns:mc="http://schemas.openxmlformats.org/markup-compatibility/2006" xmlns:p14="http://schemas.microsoft.com/office/powerpoint/2010/main">
+    <mc:Choice Requires="p14">
       <p:transition spd="slow" p14:dur="2000" advTm="65165"/>
     </mc:Choice>
-    <mc:Fallback>
+    <mc:Fallback xmlns="">
       <p:transition spd="slow" advTm="65165"/>
     </mc:Fallback>
   </mc:AlternateContent>
@@ -25137,11 +24325,11 @@
   <p:clrMapOvr>
     <a:masterClrMapping/>
   </p:clrMapOvr>
-  <mc:AlternateContent xmlns:mc="http://schemas.openxmlformats.org/markup-compatibility/2006">
-    <mc:Choice xmlns:p14="http://schemas.microsoft.com/office/powerpoint/2010/main" Requires="p14">
+  <mc:AlternateContent xmlns:mc="http://schemas.openxmlformats.org/markup-compatibility/2006" xmlns:p14="http://schemas.microsoft.com/office/powerpoint/2010/main">
+    <mc:Choice Requires="p14">
       <p:transition spd="slow" p14:dur="2000" advTm="14545"/>
     </mc:Choice>
-    <mc:Fallback>
+    <mc:Fallback xmlns="">
       <p:transition spd="slow" advTm="14545"/>
     </mc:Fallback>
   </mc:AlternateContent>
@@ -26576,11 +25764,11 @@
   <p:clrMapOvr>
     <a:masterClrMapping/>
   </p:clrMapOvr>
-  <mc:AlternateContent xmlns:mc="http://schemas.openxmlformats.org/markup-compatibility/2006">
-    <mc:Choice xmlns:p14="http://schemas.microsoft.com/office/powerpoint/2010/main" Requires="p14">
+  <mc:AlternateContent xmlns:mc="http://schemas.openxmlformats.org/markup-compatibility/2006" xmlns:p14="http://schemas.microsoft.com/office/powerpoint/2010/main">
+    <mc:Choice Requires="p14">
       <p:transition spd="slow" p14:dur="2000" advTm="50269"/>
     </mc:Choice>
-    <mc:Fallback>
+    <mc:Fallback xmlns="">
       <p:transition spd="slow" advTm="50269"/>
     </mc:Fallback>
   </mc:AlternateContent>
@@ -29422,11 +28610,11 @@
   <p:clrMapOvr>
     <a:masterClrMapping/>
   </p:clrMapOvr>
-  <mc:AlternateContent xmlns:mc="http://schemas.openxmlformats.org/markup-compatibility/2006">
-    <mc:Choice xmlns:p14="http://schemas.microsoft.com/office/powerpoint/2010/main" Requires="p14">
+  <mc:AlternateContent xmlns:mc="http://schemas.openxmlformats.org/markup-compatibility/2006" xmlns:p14="http://schemas.microsoft.com/office/powerpoint/2010/main">
+    <mc:Choice Requires="p14">
       <p:transition spd="slow" p14:dur="2000" advTm="53376"/>
     </mc:Choice>
-    <mc:Fallback>
+    <mc:Fallback xmlns="">
       <p:transition spd="slow" advTm="53376"/>
     </mc:Fallback>
   </mc:AlternateContent>
@@ -32076,11 +31264,11 @@
   <p:clrMapOvr>
     <a:masterClrMapping/>
   </p:clrMapOvr>
-  <mc:AlternateContent xmlns:mc="http://schemas.openxmlformats.org/markup-compatibility/2006">
-    <mc:Choice xmlns:p14="http://schemas.microsoft.com/office/powerpoint/2010/main" Requires="p14">
+  <mc:AlternateContent xmlns:mc="http://schemas.openxmlformats.org/markup-compatibility/2006" xmlns:p14="http://schemas.microsoft.com/office/powerpoint/2010/main">
+    <mc:Choice Requires="p14">
       <p:transition spd="slow" p14:dur="2000" advTm="49530"/>
     </mc:Choice>
-    <mc:Fallback>
+    <mc:Fallback xmlns="">
       <p:transition spd="slow" advTm="49530"/>
     </mc:Fallback>
   </mc:AlternateContent>
@@ -33718,17 +32906,11 @@
 
 <file path=ppt/tags/tag11.xml><?xml version="1.0" encoding="utf-8"?>
 <p:tagLst xmlns:a="http://schemas.openxmlformats.org/drawingml/2006/main" xmlns:r="http://schemas.openxmlformats.org/officeDocument/2006/relationships" xmlns:p="http://schemas.openxmlformats.org/presentationml/2006/main">
-  <p:tag name="TIMING" val="|4.2|5.7|7.7"/>
+  <p:tag name="TIMING" val="|3|6.7|8.3"/>
 </p:tagLst>
 </file>
 
 <file path=ppt/tags/tag12.xml><?xml version="1.0" encoding="utf-8"?>
-<p:tagLst xmlns:a="http://schemas.openxmlformats.org/drawingml/2006/main" xmlns:r="http://schemas.openxmlformats.org/officeDocument/2006/relationships" xmlns:p="http://schemas.openxmlformats.org/presentationml/2006/main">
-  <p:tag name="TIMING" val="|3|6.7|8.3"/>
-</p:tagLst>
-</file>
-
-<file path=ppt/tags/tag13.xml><?xml version="1.0" encoding="utf-8"?>
 <p:tagLst xmlns:a="http://schemas.openxmlformats.org/drawingml/2006/main" xmlns:r="http://schemas.openxmlformats.org/officeDocument/2006/relationships" xmlns:p="http://schemas.openxmlformats.org/presentationml/2006/main">
   <p:tag name="TIMING" val="|2.2|5.1"/>
 </p:tagLst>
